--- a/Dokument/Mikrodatorprojekt Presentation.pptx
+++ b/Dokument/Mikrodatorprojekt Presentation.pptx
@@ -2,18 +2,21 @@
 <file path=ppt/presentation.xml><?xml version="1.0" encoding="utf-8"?>
 <p:presentation xmlns:a="http://schemas.openxmlformats.org/drawingml/2006/main" xmlns:r="http://schemas.openxmlformats.org/officeDocument/2006/relationships" xmlns:p="http://schemas.openxmlformats.org/presentationml/2006/main">
   <p:sldMasterIdLst>
-    <p:sldMasterId id="2147483749" r:id="rId1"/>
-    <p:sldMasterId id="2147483763" r:id="rId2"/>
+    <p:sldMasterId id="2147483749" r:id="rId4"/>
+    <p:sldMasterId id="2147483763" r:id="rId5"/>
   </p:sldMasterIdLst>
   <p:sldIdLst>
-    <p:sldId id="256" r:id="rId3"/>
-    <p:sldId id="257" r:id="rId4"/>
-    <p:sldId id="258" r:id="rId5"/>
-    <p:sldId id="259" r:id="rId6"/>
-    <p:sldId id="260" r:id="rId7"/>
-    <p:sldId id="261" r:id="rId8"/>
-    <p:sldId id="262" r:id="rId9"/>
-    <p:sldId id="263" r:id="rId10"/>
+    <p:sldId id="256" r:id="rId6"/>
+    <p:sldId id="257" r:id="rId7"/>
+    <p:sldId id="258" r:id="rId8"/>
+    <p:sldId id="259" r:id="rId9"/>
+    <p:sldId id="260" r:id="rId10"/>
+    <p:sldId id="261" r:id="rId11"/>
+    <p:sldId id="262" r:id="rId12"/>
+    <p:sldId id="263" r:id="rId13"/>
+    <p:sldId id="264" r:id="rId14"/>
+    <p:sldId id="265" r:id="rId15"/>
+    <p:sldId id="266" r:id="rId16"/>
   </p:sldIdLst>
   <p:sldSz cx="10080625" cy="7559675"/>
   <p:notesSz cx="7559675" cy="10691813"/>
@@ -112,7 +115,31 @@
       </a:defRPr>
     </a:lvl9pPr>
   </p:defaultTextStyle>
+  <p:extLst>
+    <p:ext uri="{EFAFB233-063F-42B5-8137-9DF3F51BA10A}">
+      <p15:sldGuideLst xmlns:p15="http://schemas.microsoft.com/office/powerpoint/2012/main">
+        <p15:guide id="1" orient="horz" pos="2381" userDrawn="1">
+          <p15:clr>
+            <a:srgbClr val="A4A3A4"/>
+          </p15:clr>
+        </p15:guide>
+        <p15:guide id="2" pos="3175" userDrawn="1">
+          <p15:clr>
+            <a:srgbClr val="A4A3A4"/>
+          </p15:clr>
+        </p15:guide>
+      </p15:sldGuideLst>
+    </p:ext>
+  </p:extLst>
 </p:presentation>
+</file>
+
+<file path=ppt/revisionInfo.xml><?xml version="1.0" encoding="utf-8"?>
+<p1510:revInfo xmlns:a="http://schemas.openxmlformats.org/drawingml/2006/main" xmlns:r="http://schemas.openxmlformats.org/officeDocument/2006/relationships" xmlns:p1510="http://schemas.microsoft.com/office/powerpoint/2015/10/main">
+  <p1510:revLst>
+    <p1510:client id="{9AD63D08-3506-4B54-93FF-93341BB863FA}" v="714" dt="2020-03-10T10:35:53.896"/>
+  </p1510:revLst>
+</p1510:revInfo>
 </file>
 
 <file path=ppt/slideLayouts/slideLayout1.xml><?xml version="1.0" encoding="utf-8"?>
@@ -1062,7 +1089,6 @@
               <a:rPr lang="en-US"/>
               <a:t>Click to edit Master title style</a:t>
             </a:r>
-            <a:endParaRPr lang="en-US" dirty="0"/>
           </a:p>
         </p:txBody>
       </p:sp>
@@ -1179,7 +1205,6 @@
               <a:rPr lang="en-US"/>
               <a:t>Click to edit Master subtitle style</a:t>
             </a:r>
-            <a:endParaRPr lang="en-US" dirty="0"/>
           </a:p>
         </p:txBody>
       </p:sp>
@@ -1326,7 +1351,6 @@
               <a:rPr lang="en-US"/>
               <a:t>Click to edit Master title style</a:t>
             </a:r>
-            <a:endParaRPr lang="en-US" dirty="0"/>
           </a:p>
         </p:txBody>
       </p:sp>
@@ -1378,7 +1402,6 @@
               <a:rPr lang="en-US"/>
               <a:t>Fifth level</a:t>
             </a:r>
-            <a:endParaRPr lang="en-US" dirty="0"/>
           </a:p>
         </p:txBody>
       </p:sp>
@@ -1529,7 +1552,6 @@
               <a:rPr lang="en-US"/>
               <a:t>Click to edit Master title style</a:t>
             </a:r>
-            <a:endParaRPr lang="en-US" dirty="0"/>
           </a:p>
         </p:txBody>
       </p:sp>
@@ -1793,7 +1815,6 @@
               <a:rPr lang="en-US"/>
               <a:t>Click to edit Master title style</a:t>
             </a:r>
-            <a:endParaRPr lang="en-US" dirty="0"/>
           </a:p>
         </p:txBody>
       </p:sp>
@@ -1852,7 +1873,6 @@
               <a:rPr lang="en-US"/>
               <a:t>Fifth level</a:t>
             </a:r>
-            <a:endParaRPr lang="en-US" dirty="0"/>
           </a:p>
         </p:txBody>
       </p:sp>
@@ -1911,7 +1931,6 @@
               <a:rPr lang="en-US"/>
               <a:t>Fifth level</a:t>
             </a:r>
-            <a:endParaRPr lang="en-US" dirty="0"/>
           </a:p>
         </p:txBody>
       </p:sp>
@@ -2117,7 +2136,6 @@
               <a:rPr lang="en-US"/>
               <a:t>Click to edit Master title style</a:t>
             </a:r>
-            <a:endParaRPr lang="en-US" dirty="0"/>
           </a:p>
         </p:txBody>
       </p:sp>
@@ -2259,7 +2277,6 @@
               <a:rPr lang="en-US"/>
               <a:t>Fifth level</a:t>
             </a:r>
-            <a:endParaRPr lang="en-US" dirty="0"/>
           </a:p>
         </p:txBody>
       </p:sp>
@@ -2401,7 +2418,6 @@
               <a:rPr lang="en-US"/>
               <a:t>Fifth level</a:t>
             </a:r>
-            <a:endParaRPr lang="en-US" dirty="0"/>
           </a:p>
         </p:txBody>
       </p:sp>
@@ -2543,7 +2559,6 @@
               <a:rPr lang="en-US"/>
               <a:t>Click to edit Master title style</a:t>
             </a:r>
-            <a:endParaRPr lang="en-US" dirty="0"/>
           </a:p>
         </p:txBody>
       </p:sp>
@@ -2566,7 +2581,7 @@
               <a:rPr lang="en-US" smtClean="0"/>
               <a:t>3/10/2020</a:t>
             </a:fld>
-            <a:endParaRPr lang="en-US" dirty="0"/>
+            <a:endParaRPr lang="en-US"/>
           </a:p>
         </p:txBody>
       </p:sp>
@@ -2585,7 +2600,7 @@
           <a:bodyPr/>
           <a:lstStyle/>
           <a:p>
-            <a:endParaRPr lang="en-US" dirty="0"/>
+            <a:endParaRPr lang="en-US"/>
           </a:p>
         </p:txBody>
       </p:sp>
@@ -2608,7 +2623,7 @@
               <a:rPr lang="en-US" smtClean="0"/>
               <a:t>‹#›</a:t>
             </a:fld>
-            <a:endParaRPr lang="en-US" dirty="0"/>
+            <a:endParaRPr lang="en-US"/>
           </a:p>
         </p:txBody>
       </p:sp>
@@ -3015,7 +3030,6 @@
               <a:rPr lang="en-US"/>
               <a:t>Click to edit Master title style</a:t>
             </a:r>
-            <a:endParaRPr lang="en-US" dirty="0"/>
           </a:p>
         </p:txBody>
       </p:sp>
@@ -3074,7 +3088,6 @@
               <a:rPr lang="en-US"/>
               <a:t>Fifth level</a:t>
             </a:r>
-            <a:endParaRPr lang="en-US" dirty="0"/>
           </a:p>
         </p:txBody>
       </p:sp>
@@ -3324,7 +3337,6 @@
               <a:rPr lang="en-US"/>
               <a:t>Click to edit Master title style</a:t>
             </a:r>
-            <a:endParaRPr lang="en-US" dirty="0"/>
           </a:p>
         </p:txBody>
       </p:sp>
@@ -3398,7 +3410,6 @@
               <a:rPr lang="en-US"/>
               <a:t>Click icon to add picture</a:t>
             </a:r>
-            <a:endParaRPr lang="en-US" dirty="0"/>
           </a:p>
         </p:txBody>
       </p:sp>
@@ -3648,7 +3659,6 @@
               <a:rPr lang="en-US"/>
               <a:t>Click to edit Master title style</a:t>
             </a:r>
-            <a:endParaRPr lang="en-US" dirty="0"/>
           </a:p>
         </p:txBody>
       </p:sp>
@@ -3722,7 +3732,6 @@
               <a:rPr lang="en-US"/>
               <a:t>Click icon to add picture</a:t>
             </a:r>
-            <a:endParaRPr lang="en-US" dirty="0"/>
           </a:p>
         </p:txBody>
       </p:sp>
@@ -3938,7 +3947,6 @@
               <a:rPr lang="en-US"/>
               <a:t>Click to edit Master title style</a:t>
             </a:r>
-            <a:endParaRPr lang="en-US" dirty="0"/>
           </a:p>
         </p:txBody>
       </p:sp>
@@ -4154,7 +4162,6 @@
               <a:rPr lang="en-US"/>
               <a:t>Click to edit Master title style</a:t>
             </a:r>
-            <a:endParaRPr lang="en-US" dirty="0"/>
           </a:p>
         </p:txBody>
       </p:sp>
@@ -4486,7 +4493,7 @@
           <a:p>
             <a:pPr lvl="0"/>
             <a:r>
-              <a:rPr lang="en-US" sz="8818" dirty="0">
+              <a:rPr lang="en-US" sz="8818">
                 <a:solidFill>
                   <a:schemeClr val="tx1"/>
                 </a:solidFill>
@@ -4602,7 +4609,7 @@
           <a:p>
             <a:pPr lvl="0" algn="r"/>
             <a:r>
-              <a:rPr lang="en-US" sz="8818" dirty="0">
+              <a:rPr lang="en-US" sz="8818">
                 <a:solidFill>
                   <a:schemeClr val="tx1"/>
                 </a:solidFill>
@@ -4671,7 +4678,6 @@
               <a:rPr lang="en-US"/>
               <a:t>Click to edit Master title style</a:t>
             </a:r>
-            <a:endParaRPr lang="en-US" dirty="0"/>
           </a:p>
         </p:txBody>
       </p:sp>
@@ -4883,7 +4889,6 @@
               <a:rPr lang="en-US"/>
               <a:t>Click to edit Master title style</a:t>
             </a:r>
-            <a:endParaRPr lang="en-US" dirty="0"/>
           </a:p>
         </p:txBody>
       </p:sp>
@@ -5534,7 +5539,6 @@
               <a:rPr lang="en-US"/>
               <a:t>Click to edit Master title style</a:t>
             </a:r>
-            <a:endParaRPr lang="en-US" dirty="0"/>
           </a:p>
         </p:txBody>
       </p:sp>
@@ -5684,7 +5688,6 @@
               <a:rPr lang="en-US"/>
               <a:t>Click icon to add picture</a:t>
             </a:r>
-            <a:endParaRPr lang="en-US" dirty="0"/>
           </a:p>
         </p:txBody>
       </p:sp>
@@ -5901,7 +5904,6 @@
               <a:rPr lang="en-US"/>
               <a:t>Click icon to add picture</a:t>
             </a:r>
-            <a:endParaRPr lang="en-US" dirty="0"/>
           </a:p>
         </p:txBody>
       </p:sp>
@@ -6118,7 +6120,6 @@
               <a:rPr lang="en-US"/>
               <a:t>Click icon to add picture</a:t>
             </a:r>
-            <a:endParaRPr lang="en-US" dirty="0"/>
           </a:p>
         </p:txBody>
       </p:sp>
@@ -6327,7 +6328,6 @@
               <a:rPr lang="en-US"/>
               <a:t>Click to edit Master title style</a:t>
             </a:r>
-            <a:endParaRPr lang="en-US" dirty="0"/>
           </a:p>
         </p:txBody>
       </p:sp>
@@ -6379,7 +6379,6 @@
               <a:rPr lang="en-US"/>
               <a:t>Fifth level</a:t>
             </a:r>
-            <a:endParaRPr lang="en-US" dirty="0"/>
           </a:p>
         </p:txBody>
       </p:sp>
@@ -6835,7 +6834,6 @@
               <a:rPr lang="en-US"/>
               <a:t>Click to edit Master title style</a:t>
             </a:r>
-            <a:endParaRPr lang="en-US" dirty="0"/>
           </a:p>
         </p:txBody>
       </p:sp>
@@ -6892,7 +6890,6 @@
               <a:rPr lang="en-US"/>
               <a:t>Fifth level</a:t>
             </a:r>
-            <a:endParaRPr lang="en-US" dirty="0"/>
           </a:p>
         </p:txBody>
       </p:sp>
@@ -7897,7 +7894,7 @@
               <a:rPr lang="en-US" smtClean="0"/>
               <a:t>3/10/2020</a:t>
             </a:fld>
-            <a:endParaRPr lang="en-US" dirty="0"/>
+            <a:endParaRPr lang="en-US"/>
           </a:p>
         </p:txBody>
       </p:sp>
@@ -7922,7 +7919,7 @@
           <a:bodyPr/>
           <a:lstStyle/>
           <a:p>
-            <a:endParaRPr lang="en-US" dirty="0"/>
+            <a:endParaRPr lang="en-US"/>
           </a:p>
         </p:txBody>
       </p:sp>
@@ -7951,7 +7948,7 @@
               <a:rPr lang="en-US" smtClean="0"/>
               <a:t>‹#›</a:t>
             </a:fld>
-            <a:endParaRPr lang="en-US" dirty="0"/>
+            <a:endParaRPr lang="en-US"/>
           </a:p>
         </p:txBody>
       </p:sp>
@@ -9414,7 +9411,6 @@
               <a:rPr lang="en-US"/>
               <a:t>Click to edit Master title style</a:t>
             </a:r>
-            <a:endParaRPr lang="en-US" dirty="0"/>
           </a:p>
         </p:txBody>
       </p:sp>
@@ -9483,7 +9479,6 @@
               <a:rPr lang="en-US"/>
               <a:t>Fifth level</a:t>
             </a:r>
-            <a:endParaRPr lang="en-US" dirty="0"/>
           </a:p>
         </p:txBody>
       </p:sp>
@@ -10241,8 +10236,8 @@
         </p:nvSpPr>
         <p:spPr>
           <a:xfrm>
-            <a:off x="0" y="0"/>
-            <a:ext cx="8568000" cy="1440000"/>
+            <a:off x="2519066" y="1439333"/>
+            <a:ext cx="5113867" cy="1440000"/>
           </a:xfrm>
           <a:prstGeom prst="rect">
             <a:avLst/>
@@ -10259,7 +10254,7 @@
           <a:lstStyle/>
           <a:p>
             <a:r>
-              <a:rPr lang="sv-SE" sz="4800" b="1" strike="noStrike" spc="-1" dirty="0">
+              <a:rPr lang="sv-SE" sz="4800" b="1" strike="noStrike" spc="-1">
                 <a:latin typeface="Open Sans"/>
               </a:rPr>
               <a:t>Projekt: Fyra i rad</a:t>
@@ -10294,6 +10289,75 @@
             <a:endParaRPr lang="sv-SE" sz="3200" b="0" strike="noStrike" spc="-1">
               <a:latin typeface="Open Sans"/>
             </a:endParaRPr>
+          </a:p>
+        </p:txBody>
+      </p:sp>
+      <p:sp>
+        <p:nvSpPr>
+          <p:cNvPr id="2" name="TextBox 1">
+            <a:extLst>
+              <a:ext uri="{FF2B5EF4-FFF2-40B4-BE49-F238E27FC236}">
+                <a16:creationId xmlns:a16="http://schemas.microsoft.com/office/drawing/2014/main" id="{A9303CEA-4965-4470-82F8-7631C8AB4E23}"/>
+              </a:ext>
+            </a:extLst>
+          </p:cNvPr>
+          <p:cNvSpPr txBox="1"/>
+          <p:nvPr/>
+        </p:nvSpPr>
+        <p:spPr>
+          <a:xfrm>
+            <a:off x="2845032" y="3720662"/>
+            <a:ext cx="4461933" cy="1200329"/>
+          </a:xfrm>
+          <a:prstGeom prst="rect">
+            <a:avLst/>
+          </a:prstGeom>
+          <a:noFill/>
+        </p:spPr>
+        <p:txBody>
+          <a:bodyPr wrap="square" rtlCol="0">
+            <a:spAutoFit/>
+          </a:bodyPr>
+          <a:lstStyle/>
+          <a:p>
+            <a:pPr algn="ctr"/>
+            <a:r>
+              <a:rPr lang="sv-SE">
+                <a:latin typeface="Arial" panose="020B0604020202020204" pitchFamily="34" charset="0"/>
+                <a:cs typeface="Arial" panose="020B0604020202020204" pitchFamily="34" charset="0"/>
+              </a:rPr>
+              <a:t>Linus Classon</a:t>
+            </a:r>
+          </a:p>
+          <a:p>
+            <a:pPr algn="ctr"/>
+            <a:r>
+              <a:rPr lang="sv-SE">
+                <a:latin typeface="Arial" panose="020B0604020202020204" pitchFamily="34" charset="0"/>
+                <a:cs typeface="Arial" panose="020B0604020202020204" pitchFamily="34" charset="0"/>
+              </a:rPr>
+              <a:t>Axel Brinkeby</a:t>
+            </a:r>
+          </a:p>
+          <a:p>
+            <a:pPr algn="ctr"/>
+            <a:r>
+              <a:rPr lang="sv-SE">
+                <a:latin typeface="Arial" panose="020B0604020202020204" pitchFamily="34" charset="0"/>
+                <a:cs typeface="Arial" panose="020B0604020202020204" pitchFamily="34" charset="0"/>
+              </a:rPr>
+              <a:t>Linus Nygård</a:t>
+            </a:r>
+          </a:p>
+          <a:p>
+            <a:pPr algn="ctr"/>
+            <a:r>
+              <a:rPr lang="sv-SE">
+                <a:latin typeface="Arial" panose="020B0604020202020204" pitchFamily="34" charset="0"/>
+                <a:cs typeface="Arial" panose="020B0604020202020204" pitchFamily="34" charset="0"/>
+              </a:rPr>
+              <a:t>Felix Bergström</a:t>
+            </a:r>
           </a:p>
         </p:txBody>
       </p:sp>
@@ -10332,6 +10396,345 @@
 </p:sld>
 </file>
 
+<file path=ppt/slides/slide10.xml><?xml version="1.0" encoding="utf-8"?>
+<p:sld xmlns:a="http://schemas.openxmlformats.org/drawingml/2006/main" xmlns:r="http://schemas.openxmlformats.org/officeDocument/2006/relationships" xmlns:p="http://schemas.openxmlformats.org/presentationml/2006/main">
+  <p:cSld>
+    <p:bg>
+      <p:bgPr>
+        <a:solidFill>
+          <a:schemeClr val="bg1"/>
+        </a:solidFill>
+        <a:effectLst/>
+      </p:bgPr>
+    </p:bg>
+    <p:spTree>
+      <p:nvGrpSpPr>
+        <p:cNvPr id="1" name=""/>
+        <p:cNvGrpSpPr/>
+        <p:nvPr/>
+      </p:nvGrpSpPr>
+      <p:grpSpPr>
+        <a:xfrm>
+          <a:off x="0" y="0"/>
+          <a:ext cx="0" cy="0"/>
+          <a:chOff x="0" y="0"/>
+          <a:chExt cx="0" cy="0"/>
+        </a:xfrm>
+      </p:grpSpPr>
+      <p:sp>
+        <p:nvSpPr>
+          <p:cNvPr id="103" name="TextShape 1"/>
+          <p:cNvSpPr txBox="1"/>
+          <p:nvPr/>
+        </p:nvSpPr>
+        <p:spPr>
+          <a:xfrm>
+            <a:off x="1139713" y="5731813"/>
+            <a:ext cx="7801200" cy="870468"/>
+          </a:xfrm>
+          <a:prstGeom prst="rect">
+            <a:avLst/>
+          </a:prstGeom>
+        </p:spPr>
+        <p:txBody>
+          <a:bodyPr vert="horz" lIns="91440" tIns="45720" rIns="91440" bIns="45720" rtlCol="0" anchor="ctr">
+            <a:normAutofit/>
+          </a:bodyPr>
+          <a:lstStyle/>
+          <a:p>
+            <a:pPr algn="ctr">
+              <a:lnSpc>
+                <a:spcPct val="90000"/>
+              </a:lnSpc>
+              <a:spcBef>
+                <a:spcPct val="0"/>
+              </a:spcBef>
+              <a:spcAft>
+                <a:spcPts val="600"/>
+              </a:spcAft>
+            </a:pPr>
+            <a:r>
+              <a:rPr lang="en-US" sz="3800" b="1" strike="noStrike" kern="1200" spc="-1">
+                <a:solidFill>
+                  <a:schemeClr val="bg1"/>
+                </a:solidFill>
+                <a:latin typeface="+mj-lt"/>
+                <a:ea typeface="+mj-ea"/>
+                <a:cs typeface="+mj-cs"/>
+              </a:rPr>
+              <a:t>Videoprocessorn-Read/Send</a:t>
+            </a:r>
+          </a:p>
+        </p:txBody>
+      </p:sp>
+      <p:sp>
+        <p:nvSpPr>
+          <p:cNvPr id="104" name="TextShape 2"/>
+          <p:cNvSpPr txBox="1"/>
+          <p:nvPr/>
+        </p:nvSpPr>
+        <p:spPr>
+          <a:xfrm>
+            <a:off x="720000" y="1763419"/>
+            <a:ext cx="8855640" cy="1556688"/>
+          </a:xfrm>
+          <a:prstGeom prst="rect">
+            <a:avLst/>
+          </a:prstGeom>
+          <a:noFill/>
+          <a:ln>
+            <a:noFill/>
+          </a:ln>
+        </p:spPr>
+        <p:txBody>
+          <a:bodyPr lIns="0" tIns="0" rIns="0" bIns="0"/>
+          <a:lstStyle/>
+          <a:p>
+            <a:pPr marL="285750" indent="-285750">
+              <a:spcAft>
+                <a:spcPts val="600"/>
+              </a:spcAft>
+              <a:buClr>
+                <a:srgbClr val="EF2929"/>
+              </a:buClr>
+              <a:buFont typeface="Arial" panose="020B0604020202020204" pitchFamily="34" charset="0"/>
+              <a:buChar char="•"/>
+            </a:pPr>
+            <a:endParaRPr lang="sv-SE" spc="-1">
+              <a:latin typeface="Arial" panose="020B0604020202020204" pitchFamily="34" charset="0"/>
+              <a:cs typeface="Arial" panose="020B0604020202020204" pitchFamily="34" charset="0"/>
+            </a:endParaRPr>
+          </a:p>
+          <a:p>
+            <a:pPr marL="914400" lvl="1" indent="-457200">
+              <a:spcAft>
+                <a:spcPts val="600"/>
+              </a:spcAft>
+              <a:buClr>
+                <a:srgbClr val="EF2929"/>
+              </a:buClr>
+              <a:buFont typeface="Arial" panose="020B0604020202020204" pitchFamily="34" charset="0"/>
+              <a:buChar char="•"/>
+            </a:pPr>
+            <a:endParaRPr lang="sv-SE" spc="-1">
+              <a:latin typeface="Arial" panose="020B0604020202020204" pitchFamily="34" charset="0"/>
+              <a:cs typeface="Arial" panose="020B0604020202020204" pitchFamily="34" charset="0"/>
+            </a:endParaRPr>
+          </a:p>
+          <a:p>
+            <a:pPr marL="914400" lvl="1" indent="-457200">
+              <a:spcAft>
+                <a:spcPts val="600"/>
+              </a:spcAft>
+              <a:buFont typeface="Arial" panose="020B0604020202020204" pitchFamily="34" charset="0"/>
+              <a:buChar char="•"/>
+            </a:pPr>
+            <a:endParaRPr lang="sv-SE" sz="2800" spc="-1">
+              <a:solidFill>
+                <a:srgbClr val="333333"/>
+              </a:solidFill>
+              <a:latin typeface="Arial" panose="020B0604020202020204" pitchFamily="34" charset="0"/>
+              <a:cs typeface="Arial" panose="020B0604020202020204" pitchFamily="34" charset="0"/>
+            </a:endParaRPr>
+          </a:p>
+        </p:txBody>
+      </p:sp>
+      <p:sp>
+        <p:nvSpPr>
+          <p:cNvPr id="3" name="Title 2">
+            <a:extLst>
+              <a:ext uri="{FF2B5EF4-FFF2-40B4-BE49-F238E27FC236}">
+                <a16:creationId xmlns:a16="http://schemas.microsoft.com/office/drawing/2014/main" id="{B031B5F9-7AB9-4E43-B69E-A1ED9496656D}"/>
+              </a:ext>
+            </a:extLst>
+          </p:cNvPr>
+          <p:cNvSpPr>
+            <a:spLocks noGrp="1"/>
+          </p:cNvSpPr>
+          <p:nvPr>
+            <p:ph type="title"/>
+          </p:nvPr>
+        </p:nvSpPr>
+        <p:spPr>
+          <a:xfrm>
+            <a:off x="693043" y="402483"/>
+            <a:ext cx="8694539" cy="1461188"/>
+          </a:xfrm>
+        </p:spPr>
+        <p:txBody>
+          <a:bodyPr>
+            <a:normAutofit/>
+          </a:bodyPr>
+          <a:lstStyle/>
+          <a:p>
+            <a:r>
+              <a:rPr lang="sv-SE" sz="4400" b="1" spc="-1" dirty="0">
+                <a:solidFill>
+                  <a:srgbClr val="333333"/>
+                </a:solidFill>
+                <a:latin typeface="Open Sans"/>
+                <a:ea typeface="+mn-ea"/>
+                <a:cs typeface="+mn-cs"/>
+              </a:rPr>
+              <a:t>Videoprocessorn-</a:t>
+            </a:r>
+            <a:r>
+              <a:rPr lang="sv-SE" sz="4400" b="1" spc="-1" dirty="0" err="1">
+                <a:solidFill>
+                  <a:srgbClr val="333333"/>
+                </a:solidFill>
+                <a:latin typeface="Open Sans"/>
+                <a:ea typeface="+mn-ea"/>
+                <a:cs typeface="+mn-cs"/>
+              </a:rPr>
+              <a:t>Muxare</a:t>
+            </a:r>
+            <a:r>
+              <a:rPr lang="sv-SE" sz="4400" b="1" spc="-1" dirty="0">
+                <a:solidFill>
+                  <a:srgbClr val="333333"/>
+                </a:solidFill>
+                <a:latin typeface="Open Sans"/>
+                <a:ea typeface="+mn-ea"/>
+                <a:cs typeface="+mn-cs"/>
+              </a:rPr>
+              <a:t> och </a:t>
+            </a:r>
+            <a:r>
+              <a:rPr lang="sv-SE" sz="4400" b="1" spc="-1" dirty="0" err="1">
+                <a:solidFill>
+                  <a:srgbClr val="333333"/>
+                </a:solidFill>
+                <a:latin typeface="Open Sans"/>
+                <a:ea typeface="+mn-ea"/>
+                <a:cs typeface="+mn-cs"/>
+              </a:rPr>
+              <a:t>Insruktions</a:t>
+            </a:r>
+            <a:r>
+              <a:rPr lang="sv-SE" sz="4400" b="1" spc="-1" dirty="0">
+                <a:solidFill>
+                  <a:srgbClr val="333333"/>
+                </a:solidFill>
+                <a:latin typeface="Open Sans"/>
+                <a:ea typeface="+mn-ea"/>
+                <a:cs typeface="+mn-cs"/>
+              </a:rPr>
+              <a:t> check</a:t>
+            </a:r>
+          </a:p>
+        </p:txBody>
+      </p:sp>
+      <p:pic>
+        <p:nvPicPr>
+          <p:cNvPr id="5" name="Picture 4">
+            <a:extLst>
+              <a:ext uri="{FF2B5EF4-FFF2-40B4-BE49-F238E27FC236}">
+                <a16:creationId xmlns:a16="http://schemas.microsoft.com/office/drawing/2014/main" id="{D9CD4926-A24D-4D72-B4F7-D74DE8FE041B}"/>
+              </a:ext>
+            </a:extLst>
+          </p:cNvPr>
+          <p:cNvPicPr>
+            <a:picLocks noChangeAspect="1"/>
+          </p:cNvPicPr>
+          <p:nvPr/>
+        </p:nvPicPr>
+        <p:blipFill>
+          <a:blip r:embed="rId2"/>
+          <a:stretch>
+            <a:fillRect/>
+          </a:stretch>
+        </p:blipFill>
+        <p:spPr>
+          <a:xfrm>
+            <a:off x="0" y="2214327"/>
+            <a:ext cx="9909191" cy="5092405"/>
+          </a:xfrm>
+          <a:prstGeom prst="rect">
+            <a:avLst/>
+          </a:prstGeom>
+        </p:spPr>
+      </p:pic>
+    </p:spTree>
+    <p:extLst>
+      <p:ext uri="{BB962C8B-B14F-4D97-AF65-F5344CB8AC3E}">
+        <p14:creationId xmlns:p14="http://schemas.microsoft.com/office/powerpoint/2010/main" val="2570486024"/>
+      </p:ext>
+    </p:extLst>
+  </p:cSld>
+  <p:clrMapOvr>
+    <a:masterClrMapping/>
+  </p:clrMapOvr>
+</p:sld>
+</file>
+
+<file path=ppt/slides/slide11.xml><?xml version="1.0" encoding="utf-8"?>
+<p:sld xmlns:a="http://schemas.openxmlformats.org/drawingml/2006/main" xmlns:r="http://schemas.openxmlformats.org/officeDocument/2006/relationships" xmlns:p="http://schemas.openxmlformats.org/presentationml/2006/main">
+  <p:cSld>
+    <p:spTree>
+      <p:nvGrpSpPr>
+        <p:cNvPr id="1" name=""/>
+        <p:cNvGrpSpPr/>
+        <p:nvPr/>
+      </p:nvGrpSpPr>
+      <p:grpSpPr>
+        <a:xfrm>
+          <a:off x="0" y="0"/>
+          <a:ext cx="0" cy="0"/>
+          <a:chOff x="0" y="0"/>
+          <a:chExt cx="0" cy="0"/>
+        </a:xfrm>
+      </p:grpSpPr>
+      <p:sp>
+        <p:nvSpPr>
+          <p:cNvPr id="2" name="Title 1">
+            <a:extLst>
+              <a:ext uri="{FF2B5EF4-FFF2-40B4-BE49-F238E27FC236}">
+                <a16:creationId xmlns:a16="http://schemas.microsoft.com/office/drawing/2014/main" id="{5065F25F-6117-4AEE-9DF0-13951313C817}"/>
+              </a:ext>
+            </a:extLst>
+          </p:cNvPr>
+          <p:cNvSpPr>
+            <a:spLocks noGrp="1"/>
+          </p:cNvSpPr>
+          <p:nvPr>
+            <p:ph type="title"/>
+          </p:nvPr>
+        </p:nvSpPr>
+        <p:spPr/>
+        <p:txBody>
+          <a:bodyPr>
+            <a:normAutofit/>
+          </a:bodyPr>
+          <a:lstStyle/>
+          <a:p>
+            <a:r>
+              <a:rPr lang="sv-SE" sz="4400" b="1" spc="-1" dirty="0">
+                <a:solidFill>
+                  <a:srgbClr val="333333"/>
+                </a:solidFill>
+                <a:latin typeface="Open Sans"/>
+                <a:ea typeface="+mn-ea"/>
+                <a:cs typeface="+mn-cs"/>
+              </a:rPr>
+              <a:t>Frågestund</a:t>
+            </a:r>
+          </a:p>
+        </p:txBody>
+      </p:sp>
+    </p:spTree>
+    <p:extLst>
+      <p:ext uri="{BB962C8B-B14F-4D97-AF65-F5344CB8AC3E}">
+        <p14:creationId xmlns:p14="http://schemas.microsoft.com/office/powerpoint/2010/main" val="2247543342"/>
+      </p:ext>
+    </p:extLst>
+  </p:cSld>
+  <p:clrMapOvr>
+    <a:masterClrMapping/>
+  </p:clrMapOvr>
+</p:sld>
+</file>
+
 <file path=ppt/slides/slide2.xml><?xml version="1.0" encoding="utf-8"?>
 <p:sld xmlns:a="http://schemas.openxmlformats.org/drawingml/2006/main" xmlns:r="http://schemas.openxmlformats.org/officeDocument/2006/relationships" xmlns:p="http://schemas.openxmlformats.org/presentationml/2006/main">
   <p:cSld>
@@ -10379,7 +10782,7 @@
                 </a:solidFill>
                 <a:latin typeface="Open Sans"/>
               </a:rPr>
-              <a:t>Funktioner	</a:t>
+              <a:t>Vad ska projektet kunna göra?	</a:t>
             </a:r>
           </a:p>
         </p:txBody>
@@ -10419,13 +10822,14 @@
               <a:buChar char=""/>
             </a:pPr>
             <a:r>
-              <a:rPr lang="sv-SE" sz="2800" b="0" strike="noStrike" spc="-1" dirty="0">
+              <a:rPr lang="sv-SE" sz="2800" spc="-1">
                 <a:solidFill>
                   <a:srgbClr val="333333"/>
                 </a:solidFill>
-                <a:latin typeface="Open Sans"/>
-              </a:rPr>
-              <a:t>För två spelare</a:t>
+                <a:latin typeface="Arial" panose="020B0604020202020204" pitchFamily="34" charset="0"/>
+                <a:cs typeface="Arial" panose="020B0604020202020204" pitchFamily="34" charset="0"/>
+              </a:rPr>
+              <a:t>Två spelare ska kunna spela mot varandra</a:t>
             </a:r>
           </a:p>
           <a:p>
@@ -10441,13 +10845,14 @@
               <a:buChar char=""/>
             </a:pPr>
             <a:r>
-              <a:rPr lang="sv-SE" sz="2800" b="0" strike="noStrike" spc="-1" dirty="0">
+              <a:rPr lang="sv-SE" sz="2800" b="0" strike="noStrike" spc="-1">
                 <a:solidFill>
                   <a:srgbClr val="333333"/>
                 </a:solidFill>
-                <a:latin typeface="Open Sans"/>
-              </a:rPr>
-              <a:t>8x8 RGB LED matris</a:t>
+                <a:latin typeface="Arial" panose="020B0604020202020204" pitchFamily="34" charset="0"/>
+                <a:cs typeface="Arial" panose="020B0604020202020204" pitchFamily="34" charset="0"/>
+              </a:rPr>
+              <a:t>Spelplanen är en 8x8 RGB LED matris</a:t>
             </a:r>
           </a:p>
           <a:p>
@@ -10463,13 +10868,14 @@
               <a:buChar char=""/>
             </a:pPr>
             <a:r>
-              <a:rPr lang="sv-SE" sz="2800" b="0" strike="noStrike" spc="-1" dirty="0">
+              <a:rPr lang="sv-SE" sz="2800" b="0" strike="noStrike" spc="-1">
                 <a:solidFill>
                   <a:srgbClr val="333333"/>
                 </a:solidFill>
-                <a:latin typeface="Open Sans"/>
-              </a:rPr>
-              <a:t>Analoga joysticks</a:t>
+                <a:latin typeface="Arial" panose="020B0604020202020204" pitchFamily="34" charset="0"/>
+                <a:cs typeface="Arial" panose="020B0604020202020204" pitchFamily="34" charset="0"/>
+              </a:rPr>
+              <a:t>Analoga joysticks används för styrning</a:t>
             </a:r>
           </a:p>
           <a:p>
@@ -10485,14 +10891,55 @@
               <a:buChar char=""/>
             </a:pPr>
             <a:r>
-              <a:rPr lang="sv-SE" sz="2800" b="0" strike="noStrike" spc="-1" dirty="0">
+              <a:rPr lang="sv-SE" sz="2800" b="0" strike="noStrike" spc="-1">
                 <a:solidFill>
                   <a:srgbClr val="333333"/>
                 </a:solidFill>
-                <a:latin typeface="Open Sans"/>
-              </a:rPr>
-              <a:t> </a:t>
-            </a:r>
+                <a:latin typeface="Arial" panose="020B0604020202020204" pitchFamily="34" charset="0"/>
+                <a:cs typeface="Arial" panose="020B0604020202020204" pitchFamily="34" charset="0"/>
+              </a:rPr>
+              <a:t>Spelarnas poäng på 7-</a:t>
+            </a:r>
+            <a:r>
+              <a:rPr lang="sv-SE" sz="2800" spc="-1">
+                <a:solidFill>
+                  <a:srgbClr val="333333"/>
+                </a:solidFill>
+                <a:latin typeface="Arial" panose="020B0604020202020204" pitchFamily="34" charset="0"/>
+                <a:cs typeface="Arial" panose="020B0604020202020204" pitchFamily="34" charset="0"/>
+              </a:rPr>
+              <a:t>segmentsdisplayer</a:t>
+            </a:r>
+          </a:p>
+          <a:p>
+            <a:pPr marL="432000" indent="-324000">
+              <a:spcAft>
+                <a:spcPts val="1414"/>
+              </a:spcAft>
+              <a:buClr>
+                <a:srgbClr val="EF2929"/>
+              </a:buClr>
+              <a:buSzPct val="45000"/>
+              <a:buFont typeface="Wingdings" charset="2"/>
+              <a:buChar char=""/>
+            </a:pPr>
+            <a:r>
+              <a:rPr lang="sv-SE" sz="2800" spc="-1">
+                <a:solidFill>
+                  <a:srgbClr val="333333"/>
+                </a:solidFill>
+                <a:latin typeface="Arial" panose="020B0604020202020204" pitchFamily="34" charset="0"/>
+                <a:cs typeface="Arial" panose="020B0604020202020204" pitchFamily="34" charset="0"/>
+              </a:rPr>
+              <a:t>Ett kort pip när spelaren gjort sitt val </a:t>
+            </a:r>
+            <a:endParaRPr lang="sv-SE" sz="2800" b="0" strike="noStrike" spc="-1">
+              <a:solidFill>
+                <a:srgbClr val="333333"/>
+              </a:solidFill>
+              <a:latin typeface="Arial" panose="020B0604020202020204" pitchFamily="34" charset="0"/>
+              <a:cs typeface="Arial" panose="020B0604020202020204" pitchFamily="34" charset="0"/>
+            </a:endParaRPr>
           </a:p>
         </p:txBody>
       </p:sp>
@@ -10506,8 +10953,316 @@
       <p:par>
         <p:cTn id="1" dur="indefinite" restart="never" nodeType="tmRoot">
           <p:childTnLst>
-            <p:seq>
-              <p:cTn id="2" nodeType="mainSeq"/>
+            <p:seq concurrent="1" nextAc="seek">
+              <p:cTn id="2" dur="indefinite" nodeType="mainSeq">
+                <p:childTnLst>
+                  <p:par>
+                    <p:cTn id="3" fill="hold">
+                      <p:stCondLst>
+                        <p:cond delay="indefinite"/>
+                      </p:stCondLst>
+                      <p:childTnLst>
+                        <p:par>
+                          <p:cTn id="4" fill="hold">
+                            <p:stCondLst>
+                              <p:cond delay="0"/>
+                            </p:stCondLst>
+                            <p:childTnLst>
+                              <p:par>
+                                <p:cTn id="5" presetID="10" presetClass="entr" presetSubtype="0" fill="hold" nodeType="clickEffect">
+                                  <p:stCondLst>
+                                    <p:cond delay="0"/>
+                                  </p:stCondLst>
+                                  <p:childTnLst>
+                                    <p:set>
+                                      <p:cBhvr>
+                                        <p:cTn id="6" dur="1" fill="hold">
+                                          <p:stCondLst>
+                                            <p:cond delay="0"/>
+                                          </p:stCondLst>
+                                        </p:cTn>
+                                        <p:tgtEl>
+                                          <p:spTgt spid="87">
+                                            <p:txEl>
+                                              <p:pRg st="0" end="0"/>
+                                            </p:txEl>
+                                          </p:spTgt>
+                                        </p:tgtEl>
+                                        <p:attrNameLst>
+                                          <p:attrName>style.visibility</p:attrName>
+                                        </p:attrNameLst>
+                                      </p:cBhvr>
+                                      <p:to>
+                                        <p:strVal val="visible"/>
+                                      </p:to>
+                                    </p:set>
+                                    <p:animEffect transition="in" filter="fade">
+                                      <p:cBhvr>
+                                        <p:cTn id="7" dur="500"/>
+                                        <p:tgtEl>
+                                          <p:spTgt spid="87">
+                                            <p:txEl>
+                                              <p:pRg st="0" end="0"/>
+                                            </p:txEl>
+                                          </p:spTgt>
+                                        </p:tgtEl>
+                                      </p:cBhvr>
+                                    </p:animEffect>
+                                  </p:childTnLst>
+                                </p:cTn>
+                              </p:par>
+                            </p:childTnLst>
+                          </p:cTn>
+                        </p:par>
+                      </p:childTnLst>
+                    </p:cTn>
+                  </p:par>
+                  <p:par>
+                    <p:cTn id="8" fill="hold">
+                      <p:stCondLst>
+                        <p:cond delay="indefinite"/>
+                      </p:stCondLst>
+                      <p:childTnLst>
+                        <p:par>
+                          <p:cTn id="9" fill="hold">
+                            <p:stCondLst>
+                              <p:cond delay="0"/>
+                            </p:stCondLst>
+                            <p:childTnLst>
+                              <p:par>
+                                <p:cTn id="10" presetID="10" presetClass="entr" presetSubtype="0" fill="hold" nodeType="clickEffect">
+                                  <p:stCondLst>
+                                    <p:cond delay="0"/>
+                                  </p:stCondLst>
+                                  <p:childTnLst>
+                                    <p:set>
+                                      <p:cBhvr>
+                                        <p:cTn id="11" dur="1" fill="hold">
+                                          <p:stCondLst>
+                                            <p:cond delay="0"/>
+                                          </p:stCondLst>
+                                        </p:cTn>
+                                        <p:tgtEl>
+                                          <p:spTgt spid="87">
+                                            <p:txEl>
+                                              <p:pRg st="1" end="1"/>
+                                            </p:txEl>
+                                          </p:spTgt>
+                                        </p:tgtEl>
+                                        <p:attrNameLst>
+                                          <p:attrName>style.visibility</p:attrName>
+                                        </p:attrNameLst>
+                                      </p:cBhvr>
+                                      <p:to>
+                                        <p:strVal val="visible"/>
+                                      </p:to>
+                                    </p:set>
+                                    <p:animEffect transition="in" filter="fade">
+                                      <p:cBhvr>
+                                        <p:cTn id="12" dur="500"/>
+                                        <p:tgtEl>
+                                          <p:spTgt spid="87">
+                                            <p:txEl>
+                                              <p:pRg st="1" end="1"/>
+                                            </p:txEl>
+                                          </p:spTgt>
+                                        </p:tgtEl>
+                                      </p:cBhvr>
+                                    </p:animEffect>
+                                  </p:childTnLst>
+                                </p:cTn>
+                              </p:par>
+                            </p:childTnLst>
+                          </p:cTn>
+                        </p:par>
+                      </p:childTnLst>
+                    </p:cTn>
+                  </p:par>
+                  <p:par>
+                    <p:cTn id="13" fill="hold">
+                      <p:stCondLst>
+                        <p:cond delay="indefinite"/>
+                      </p:stCondLst>
+                      <p:childTnLst>
+                        <p:par>
+                          <p:cTn id="14" fill="hold">
+                            <p:stCondLst>
+                              <p:cond delay="0"/>
+                            </p:stCondLst>
+                            <p:childTnLst>
+                              <p:par>
+                                <p:cTn id="15" presetID="10" presetClass="entr" presetSubtype="0" fill="hold" nodeType="clickEffect">
+                                  <p:stCondLst>
+                                    <p:cond delay="0"/>
+                                  </p:stCondLst>
+                                  <p:childTnLst>
+                                    <p:set>
+                                      <p:cBhvr>
+                                        <p:cTn id="16" dur="1" fill="hold">
+                                          <p:stCondLst>
+                                            <p:cond delay="0"/>
+                                          </p:stCondLst>
+                                        </p:cTn>
+                                        <p:tgtEl>
+                                          <p:spTgt spid="87">
+                                            <p:txEl>
+                                              <p:pRg st="2" end="2"/>
+                                            </p:txEl>
+                                          </p:spTgt>
+                                        </p:tgtEl>
+                                        <p:attrNameLst>
+                                          <p:attrName>style.visibility</p:attrName>
+                                        </p:attrNameLst>
+                                      </p:cBhvr>
+                                      <p:to>
+                                        <p:strVal val="visible"/>
+                                      </p:to>
+                                    </p:set>
+                                    <p:animEffect transition="in" filter="fade">
+                                      <p:cBhvr>
+                                        <p:cTn id="17" dur="500"/>
+                                        <p:tgtEl>
+                                          <p:spTgt spid="87">
+                                            <p:txEl>
+                                              <p:pRg st="2" end="2"/>
+                                            </p:txEl>
+                                          </p:spTgt>
+                                        </p:tgtEl>
+                                      </p:cBhvr>
+                                    </p:animEffect>
+                                  </p:childTnLst>
+                                </p:cTn>
+                              </p:par>
+                            </p:childTnLst>
+                          </p:cTn>
+                        </p:par>
+                      </p:childTnLst>
+                    </p:cTn>
+                  </p:par>
+                  <p:par>
+                    <p:cTn id="18" fill="hold">
+                      <p:stCondLst>
+                        <p:cond delay="indefinite"/>
+                      </p:stCondLst>
+                      <p:childTnLst>
+                        <p:par>
+                          <p:cTn id="19" fill="hold">
+                            <p:stCondLst>
+                              <p:cond delay="0"/>
+                            </p:stCondLst>
+                            <p:childTnLst>
+                              <p:par>
+                                <p:cTn id="20" presetID="10" presetClass="entr" presetSubtype="0" fill="hold" nodeType="clickEffect">
+                                  <p:stCondLst>
+                                    <p:cond delay="0"/>
+                                  </p:stCondLst>
+                                  <p:childTnLst>
+                                    <p:set>
+                                      <p:cBhvr>
+                                        <p:cTn id="21" dur="1" fill="hold">
+                                          <p:stCondLst>
+                                            <p:cond delay="0"/>
+                                          </p:stCondLst>
+                                        </p:cTn>
+                                        <p:tgtEl>
+                                          <p:spTgt spid="87">
+                                            <p:txEl>
+                                              <p:pRg st="3" end="3"/>
+                                            </p:txEl>
+                                          </p:spTgt>
+                                        </p:tgtEl>
+                                        <p:attrNameLst>
+                                          <p:attrName>style.visibility</p:attrName>
+                                        </p:attrNameLst>
+                                      </p:cBhvr>
+                                      <p:to>
+                                        <p:strVal val="visible"/>
+                                      </p:to>
+                                    </p:set>
+                                    <p:animEffect transition="in" filter="fade">
+                                      <p:cBhvr>
+                                        <p:cTn id="22" dur="500"/>
+                                        <p:tgtEl>
+                                          <p:spTgt spid="87">
+                                            <p:txEl>
+                                              <p:pRg st="3" end="3"/>
+                                            </p:txEl>
+                                          </p:spTgt>
+                                        </p:tgtEl>
+                                      </p:cBhvr>
+                                    </p:animEffect>
+                                  </p:childTnLst>
+                                </p:cTn>
+                              </p:par>
+                            </p:childTnLst>
+                          </p:cTn>
+                        </p:par>
+                      </p:childTnLst>
+                    </p:cTn>
+                  </p:par>
+                  <p:par>
+                    <p:cTn id="23" fill="hold">
+                      <p:stCondLst>
+                        <p:cond delay="indefinite"/>
+                      </p:stCondLst>
+                      <p:childTnLst>
+                        <p:par>
+                          <p:cTn id="24" fill="hold">
+                            <p:stCondLst>
+                              <p:cond delay="0"/>
+                            </p:stCondLst>
+                            <p:childTnLst>
+                              <p:par>
+                                <p:cTn id="25" presetID="10" presetClass="entr" presetSubtype="0" fill="hold" nodeType="clickEffect">
+                                  <p:stCondLst>
+                                    <p:cond delay="0"/>
+                                  </p:stCondLst>
+                                  <p:childTnLst>
+                                    <p:set>
+                                      <p:cBhvr>
+                                        <p:cTn id="26" dur="1" fill="hold">
+                                          <p:stCondLst>
+                                            <p:cond delay="0"/>
+                                          </p:stCondLst>
+                                        </p:cTn>
+                                        <p:tgtEl>
+                                          <p:spTgt spid="87">
+                                            <p:txEl>
+                                              <p:pRg st="4" end="4"/>
+                                            </p:txEl>
+                                          </p:spTgt>
+                                        </p:tgtEl>
+                                        <p:attrNameLst>
+                                          <p:attrName>style.visibility</p:attrName>
+                                        </p:attrNameLst>
+                                      </p:cBhvr>
+                                      <p:to>
+                                        <p:strVal val="visible"/>
+                                      </p:to>
+                                    </p:set>
+                                    <p:animEffect transition="in" filter="fade">
+                                      <p:cBhvr>
+                                        <p:cTn id="27" dur="500"/>
+                                        <p:tgtEl>
+                                          <p:spTgt spid="87">
+                                            <p:txEl>
+                                              <p:pRg st="4" end="4"/>
+                                            </p:txEl>
+                                          </p:spTgt>
+                                        </p:tgtEl>
+                                      </p:cBhvr>
+                                    </p:animEffect>
+                                  </p:childTnLst>
+                                </p:cTn>
+                              </p:par>
+                            </p:childTnLst>
+                          </p:cTn>
+                        </p:par>
+                      </p:childTnLst>
+                    </p:cTn>
+                  </p:par>
+                </p:childTnLst>
+              </p:cTn>
               <p:prevCondLst>
                 <p:cond evt="onPrev" delay="0">
                   <p:tgtEl>
@@ -10572,60 +11327,20 @@
           <a:lstStyle/>
           <a:p>
             <a:r>
-              <a:rPr lang="sv-SE" sz="4400" b="1" strike="noStrike" spc="-1">
+              <a:rPr lang="sv-SE" sz="4400" b="1" spc="-1">
                 <a:solidFill>
                   <a:srgbClr val="333333"/>
                 </a:solidFill>
                 <a:latin typeface="Open Sans"/>
               </a:rPr>
-              <a:t>Översikt</a:t>
-            </a:r>
-          </a:p>
-        </p:txBody>
-      </p:sp>
-      <p:sp>
-        <p:nvSpPr>
-          <p:cNvPr id="89" name="TextShape 2"/>
-          <p:cNvSpPr txBox="1"/>
-          <p:nvPr/>
-        </p:nvSpPr>
-        <p:spPr>
-          <a:xfrm>
-            <a:off x="720000" y="2160000"/>
-            <a:ext cx="8640000" cy="4384800"/>
-          </a:xfrm>
-          <a:prstGeom prst="rect">
-            <a:avLst/>
-          </a:prstGeom>
-          <a:noFill/>
-          <a:ln>
-            <a:noFill/>
-          </a:ln>
-        </p:spPr>
-        <p:txBody>
-          <a:bodyPr lIns="0" tIns="0" rIns="0" bIns="0"/>
-          <a:lstStyle/>
-          <a:p>
-            <a:pPr marL="432000" indent="-324000">
-              <a:spcAft>
-                <a:spcPts val="1414"/>
-              </a:spcAft>
-              <a:buClr>
-                <a:srgbClr val="EF2929"/>
-              </a:buClr>
-              <a:buSzPct val="45000"/>
-              <a:buFont typeface="Wingdings" charset="2"/>
-              <a:buChar char=""/>
-            </a:pPr>
-            <a:r>
-              <a:rPr lang="sv-SE" sz="2800" b="0" strike="noStrike" spc="-1">
-                <a:solidFill>
-                  <a:srgbClr val="333333"/>
-                </a:solidFill>
-                <a:latin typeface="Open Sans"/>
-              </a:rPr>
-              <a:t>Blockdiagram över hårdvaran här</a:t>
-            </a:r>
+              <a:t>Blockdiagram över projektet</a:t>
+            </a:r>
+            <a:endParaRPr lang="sv-SE" sz="4400" b="1" strike="noStrike" spc="-1">
+              <a:solidFill>
+                <a:srgbClr val="333333"/>
+              </a:solidFill>
+              <a:latin typeface="Open Sans"/>
+            </a:endParaRPr>
           </a:p>
         </p:txBody>
       </p:sp>
@@ -10681,6 +11396,42 @@
           <a:chExt cx="0" cy="0"/>
         </a:xfrm>
       </p:grpSpPr>
+      <p:pic>
+        <p:nvPicPr>
+          <p:cNvPr id="3" name="Picture 2">
+            <a:extLst>
+              <a:ext uri="{FF2B5EF4-FFF2-40B4-BE49-F238E27FC236}">
+                <a16:creationId xmlns:a16="http://schemas.microsoft.com/office/drawing/2014/main" id="{ACF32A7E-BA88-4EBD-9C76-1B3EA07A6614}"/>
+              </a:ext>
+            </a:extLst>
+          </p:cNvPr>
+          <p:cNvPicPr>
+            <a:picLocks noChangeAspect="1"/>
+          </p:cNvPicPr>
+          <p:nvPr/>
+        </p:nvPicPr>
+        <p:blipFill>
+          <a:blip r:embed="rId2">
+            <a:extLst>
+              <a:ext uri="{28A0092B-C50C-407E-A947-70E740481C1C}">
+                <a14:useLocalDpi xmlns:a14="http://schemas.microsoft.com/office/drawing/2010/main" val="0"/>
+              </a:ext>
+            </a:extLst>
+          </a:blip>
+          <a:stretch>
+            <a:fillRect/>
+          </a:stretch>
+        </p:blipFill>
+        <p:spPr>
+          <a:xfrm>
+            <a:off x="1307392" y="3070220"/>
+            <a:ext cx="7680855" cy="4103827"/>
+          </a:xfrm>
+          <a:prstGeom prst="rect">
+            <a:avLst/>
+          </a:prstGeom>
+        </p:spPr>
+      </p:pic>
       <p:sp>
         <p:nvSpPr>
           <p:cNvPr id="90" name="TextShape 1"/>
@@ -10716,29 +11467,6 @@
           </a:p>
         </p:txBody>
       </p:sp>
-      <p:pic>
-        <p:nvPicPr>
-          <p:cNvPr id="91" name="Picture 90"/>
-          <p:cNvPicPr/>
-          <p:nvPr/>
-        </p:nvPicPr>
-        <p:blipFill>
-          <a:blip r:embed="rId2"/>
-          <a:stretch/>
-        </p:blipFill>
-        <p:spPr>
-          <a:xfrm>
-            <a:off x="144000" y="3263760"/>
-            <a:ext cx="9792000" cy="3072240"/>
-          </a:xfrm>
-          <a:prstGeom prst="rect">
-            <a:avLst/>
-          </a:prstGeom>
-          <a:ln>
-            <a:noFill/>
-          </a:ln>
-        </p:spPr>
-      </p:pic>
       <p:sp>
         <p:nvSpPr>
           <p:cNvPr id="92" name="TextShape 2"/>
@@ -10766,7 +11494,19 @@
               <a:rPr lang="sv-SE" sz="1800" b="0" strike="noStrike" spc="-1">
                 <a:latin typeface="Arial"/>
               </a:rPr>
-              <a:t>I main-loopen flyttar den aktiva spelarens markör runt med joysticken</a:t>
+              <a:t>I </a:t>
+            </a:r>
+            <a:r>
+              <a:rPr lang="sv-SE" sz="1800" b="0" strike="noStrike" spc="-1" err="1">
+                <a:latin typeface="Arial"/>
+              </a:rPr>
+              <a:t>main</a:t>
+            </a:r>
+            <a:r>
+              <a:rPr lang="sv-SE" sz="1800" b="0" strike="noStrike" spc="-1">
+                <a:latin typeface="Arial"/>
+              </a:rPr>
+              <a:t>-loopen flyttar den aktiva spelarens markör runt med joysticken</a:t>
             </a:r>
           </a:p>
           <a:p>
@@ -10805,14 +11545,14 @@
           <a:lstStyle/>
           <a:p>
             <a:r>
-              <a:rPr lang="sv-SE" sz="1800" b="0" strike="noStrike" spc="-1" dirty="0" err="1">
+              <a:rPr lang="sv-SE" sz="1800" b="0" strike="noStrike" spc="-1" err="1">
                 <a:latin typeface="Arial" panose="020B0604020202020204" pitchFamily="34" charset="0"/>
                 <a:cs typeface="Arial" panose="020B0604020202020204" pitchFamily="34" charset="0"/>
               </a:rPr>
               <a:t>Interrupt</a:t>
             </a:r>
             <a:r>
-              <a:rPr lang="sv-SE" sz="1800" b="0" strike="noStrike" spc="-1" dirty="0">
+              <a:rPr lang="sv-SE" sz="1800" b="0" strike="noStrike" spc="-1">
                 <a:latin typeface="Arial" panose="020B0604020202020204" pitchFamily="34" charset="0"/>
                 <a:cs typeface="Arial" panose="020B0604020202020204" pitchFamily="34" charset="0"/>
               </a:rPr>
@@ -10825,7 +11565,7 @@
               <a:buChar char="•"/>
             </a:pPr>
             <a:r>
-              <a:rPr lang="sv-SE" b="0" strike="noStrike" spc="-1" dirty="0">
+              <a:rPr lang="sv-SE" b="0" strike="noStrike" spc="-1">
                 <a:latin typeface="Arial" panose="020B0604020202020204" pitchFamily="34" charset="0"/>
                 <a:cs typeface="Arial" panose="020B0604020202020204" pitchFamily="34" charset="0"/>
               </a:rPr>
@@ -10838,13 +11578,13 @@
               <a:buChar char="•"/>
             </a:pPr>
             <a:r>
-              <a:rPr lang="sv-SE" spc="-1" dirty="0">
+              <a:rPr lang="sv-SE" spc="-1">
                 <a:latin typeface="Arial" panose="020B0604020202020204" pitchFamily="34" charset="0"/>
                 <a:cs typeface="Arial" panose="020B0604020202020204" pitchFamily="34" charset="0"/>
               </a:rPr>
               <a:t> Skicka data till videoprocessorn om att spelaren placerar här</a:t>
             </a:r>
-            <a:endParaRPr lang="sv-SE" b="0" strike="noStrike" spc="-1" dirty="0">
+            <a:endParaRPr lang="sv-SE" b="0" strike="noStrike" spc="-1">
               <a:latin typeface="Arial" panose="020B0604020202020204" pitchFamily="34" charset="0"/>
               <a:cs typeface="Arial" panose="020B0604020202020204" pitchFamily="34" charset="0"/>
             </a:endParaRPr>
@@ -10855,7 +11595,7 @@
               <a:buChar char="•"/>
             </a:pPr>
             <a:r>
-              <a:rPr lang="sv-SE" b="0" strike="noStrike" spc="-1" dirty="0">
+              <a:rPr lang="sv-SE" b="0" strike="noStrike" spc="-1">
                 <a:latin typeface="Arial" panose="020B0604020202020204" pitchFamily="34" charset="0"/>
                 <a:cs typeface="Arial" panose="020B0604020202020204" pitchFamily="34" charset="0"/>
               </a:rPr>
@@ -10863,7 +11603,7 @@
             </a:r>
           </a:p>
           <a:p>
-            <a:endParaRPr lang="sv-SE" sz="1800" b="0" strike="noStrike" spc="-1" dirty="0">
+            <a:endParaRPr lang="sv-SE" sz="1800" b="0" strike="noStrike" spc="-1">
               <a:latin typeface="Arial" panose="020B0604020202020204" pitchFamily="34" charset="0"/>
               <a:cs typeface="Arial" panose="020B0604020202020204" pitchFamily="34" charset="0"/>
             </a:endParaRPr>
@@ -10922,6 +11662,42 @@
           <a:chExt cx="0" cy="0"/>
         </a:xfrm>
       </p:grpSpPr>
+      <p:pic>
+        <p:nvPicPr>
+          <p:cNvPr id="3" name="Picture 2">
+            <a:extLst>
+              <a:ext uri="{FF2B5EF4-FFF2-40B4-BE49-F238E27FC236}">
+                <a16:creationId xmlns:a16="http://schemas.microsoft.com/office/drawing/2014/main" id="{4CF2C39A-E067-4D5F-965F-0F0A6D9334C0}"/>
+              </a:ext>
+            </a:extLst>
+          </p:cNvPr>
+          <p:cNvPicPr>
+            <a:picLocks noChangeAspect="1"/>
+          </p:cNvPicPr>
+          <p:nvPr/>
+        </p:nvPicPr>
+        <p:blipFill>
+          <a:blip r:embed="rId2">
+            <a:extLst>
+              <a:ext uri="{28A0092B-C50C-407E-A947-70E740481C1C}">
+                <a14:useLocalDpi xmlns:a14="http://schemas.microsoft.com/office/drawing/2010/main" val="0"/>
+              </a:ext>
+            </a:extLst>
+          </a:blip>
+          <a:stretch>
+            <a:fillRect/>
+          </a:stretch>
+        </p:blipFill>
+        <p:spPr>
+          <a:xfrm>
+            <a:off x="1978554" y="1885140"/>
+            <a:ext cx="7004580" cy="7754193"/>
+          </a:xfrm>
+          <a:prstGeom prst="rect">
+            <a:avLst/>
+          </a:prstGeom>
+        </p:spPr>
+      </p:pic>
       <p:sp>
         <p:nvSpPr>
           <p:cNvPr id="94" name="TextShape 1"/>
@@ -10957,29 +11733,6 @@
           </a:p>
         </p:txBody>
       </p:sp>
-      <p:pic>
-        <p:nvPicPr>
-          <p:cNvPr id="95" name="Picture 94"/>
-          <p:cNvPicPr/>
-          <p:nvPr/>
-        </p:nvPicPr>
-        <p:blipFill>
-          <a:blip r:embed="rId2"/>
-          <a:stretch/>
-        </p:blipFill>
-        <p:spPr>
-          <a:xfrm>
-            <a:off x="2160000" y="1800000"/>
-            <a:ext cx="6768000" cy="5375520"/>
-          </a:xfrm>
-          <a:prstGeom prst="rect">
-            <a:avLst/>
-          </a:prstGeom>
-          <a:ln>
-            <a:noFill/>
-          </a:ln>
-        </p:spPr>
-      </p:pic>
       <p:sp>
         <p:nvSpPr>
           <p:cNvPr id="96" name="TextShape 2"/>
@@ -11064,6 +11817,42 @@
           <a:chExt cx="0" cy="0"/>
         </a:xfrm>
       </p:grpSpPr>
+      <p:pic>
+        <p:nvPicPr>
+          <p:cNvPr id="3" name="Picture 2">
+            <a:extLst>
+              <a:ext uri="{FF2B5EF4-FFF2-40B4-BE49-F238E27FC236}">
+                <a16:creationId xmlns:a16="http://schemas.microsoft.com/office/drawing/2014/main" id="{48D194E4-BF11-48B3-9417-38FBFC3E1F2B}"/>
+              </a:ext>
+            </a:extLst>
+          </p:cNvPr>
+          <p:cNvPicPr>
+            <a:picLocks noChangeAspect="1"/>
+          </p:cNvPicPr>
+          <p:nvPr/>
+        </p:nvPicPr>
+        <p:blipFill>
+          <a:blip r:embed="rId2">
+            <a:extLst>
+              <a:ext uri="{28A0092B-C50C-407E-A947-70E740481C1C}">
+                <a14:useLocalDpi xmlns:a14="http://schemas.microsoft.com/office/drawing/2010/main" val="0"/>
+              </a:ext>
+            </a:extLst>
+          </a:blip>
+          <a:stretch>
+            <a:fillRect/>
+          </a:stretch>
+        </p:blipFill>
+        <p:spPr>
+          <a:xfrm>
+            <a:off x="1279491" y="1011437"/>
+            <a:ext cx="6611442" cy="6382745"/>
+          </a:xfrm>
+          <a:prstGeom prst="rect">
+            <a:avLst/>
+          </a:prstGeom>
+        </p:spPr>
+      </p:pic>
       <p:sp>
         <p:nvSpPr>
           <p:cNvPr id="97" name="TextShape 1"/>
@@ -11099,29 +11888,6 @@
           </a:p>
         </p:txBody>
       </p:sp>
-      <p:pic>
-        <p:nvPicPr>
-          <p:cNvPr id="98" name="Picture 97"/>
-          <p:cNvPicPr/>
-          <p:nvPr/>
-        </p:nvPicPr>
-        <p:blipFill>
-          <a:blip r:embed="rId2"/>
-          <a:stretch/>
-        </p:blipFill>
-        <p:spPr>
-          <a:xfrm>
-            <a:off x="142332" y="1351133"/>
-            <a:ext cx="9795960" cy="4555800"/>
-          </a:xfrm>
-          <a:prstGeom prst="rect">
-            <a:avLst/>
-          </a:prstGeom>
-          <a:ln>
-            <a:noFill/>
-          </a:ln>
-        </p:spPr>
-      </p:pic>
       <p:sp>
         <p:nvSpPr>
           <p:cNvPr id="99" name="TextShape 2"/>
@@ -11130,7 +11896,7 @@
         </p:nvSpPr>
         <p:spPr>
           <a:xfrm>
-            <a:off x="4752000" y="1557720"/>
+            <a:off x="5111640" y="1972817"/>
             <a:ext cx="4464000" cy="602280"/>
           </a:xfrm>
           <a:prstGeom prst="rect">
@@ -11149,39 +11915,7 @@
               <a:rPr lang="sv-SE" sz="1800" b="0" strike="noStrike" spc="-1">
                 <a:latin typeface="Arial"/>
               </a:rPr>
-              <a:t>När en en spelare trycker på joysticken för att placera en markör</a:t>
-            </a:r>
-          </a:p>
-        </p:txBody>
-      </p:sp>
-      <p:sp>
-        <p:nvSpPr>
-          <p:cNvPr id="100" name="TextShape 3"/>
-          <p:cNvSpPr txBox="1"/>
-          <p:nvPr/>
-        </p:nvSpPr>
-        <p:spPr>
-          <a:xfrm>
-            <a:off x="6768000" y="6309720"/>
-            <a:ext cx="2664000" cy="602280"/>
-          </a:xfrm>
-          <a:prstGeom prst="rect">
-            <a:avLst/>
-          </a:prstGeom>
-          <a:noFill/>
-          <a:ln>
-            <a:noFill/>
-          </a:ln>
-        </p:spPr>
-        <p:txBody>
-          <a:bodyPr lIns="90000" tIns="45000" rIns="90000" bIns="45000"/>
-          <a:lstStyle/>
-          <a:p>
-            <a:r>
-              <a:rPr lang="sv-SE" sz="1800" b="0" strike="noStrike" spc="-1">
-                <a:latin typeface="Arial"/>
-              </a:rPr>
-              <a:t>Vi glömde en ruta för att skicka data?</a:t>
+              <a:t>När en spelare trycker på joysticken för att placera en markör</a:t>
             </a:r>
           </a:p>
         </p:txBody>
@@ -11308,11 +12042,12 @@
               <a:buChar char=""/>
             </a:pPr>
             <a:r>
-              <a:rPr lang="sv-SE" sz="2800" b="0" strike="noStrike" spc="-1" dirty="0">
+              <a:rPr lang="sv-SE" sz="2800" b="0" strike="noStrike" spc="-1">
                 <a:solidFill>
                   <a:srgbClr val="333333"/>
                 </a:solidFill>
-                <a:latin typeface="Open Sans"/>
+                <a:latin typeface="Arial" panose="020B0604020202020204" pitchFamily="34" charset="0"/>
+                <a:cs typeface="Arial" panose="020B0604020202020204" pitchFamily="34" charset="0"/>
               </a:rPr>
               <a:t>För att skicka data från spelprocessorn till videoprocessorn</a:t>
             </a:r>
@@ -11330,31 +12065,14 @@
               <a:buChar char=""/>
             </a:pPr>
             <a:r>
-              <a:rPr lang="sv-SE" sz="2800" b="0" strike="noStrike" spc="-1" dirty="0">
-                <a:solidFill>
-                  <a:srgbClr val="333333"/>
-                </a:solidFill>
-                <a:latin typeface="Open Sans"/>
-              </a:rPr>
-              <a:t>UART, 8 databitar, </a:t>
-            </a:r>
-            <a:r>
               <a:rPr lang="sv-SE" sz="2800" b="0" strike="noStrike" spc="-1">
                 <a:solidFill>
                   <a:srgbClr val="333333"/>
                 </a:solidFill>
-                <a:latin typeface="Open Sans"/>
-              </a:rPr>
-              <a:t>1 stop bit</a:t>
-            </a:r>
-            <a:r>
-              <a:rPr lang="sv-SE" sz="2800" b="0" strike="noStrike" spc="-1" dirty="0">
-                <a:solidFill>
-                  <a:srgbClr val="333333"/>
-                </a:solidFill>
-                <a:latin typeface="Open Sans"/>
-              </a:rPr>
-              <a:t>, 9600 baudrate</a:t>
+                <a:latin typeface="Arial" panose="020B0604020202020204" pitchFamily="34" charset="0"/>
+                <a:cs typeface="Arial" panose="020B0604020202020204" pitchFamily="34" charset="0"/>
+              </a:rPr>
+              <a:t>UART, 8 databitar, 1 stop bit, 9600 baudrate</a:t>
             </a:r>
           </a:p>
           <a:p>
@@ -11370,11 +12088,12 @@
               <a:buChar char=""/>
             </a:pPr>
             <a:r>
-              <a:rPr lang="sv-SE" sz="2800" b="0" strike="noStrike" spc="-1" dirty="0">
+              <a:rPr lang="sv-SE" sz="2800" b="0" strike="noStrike" spc="-1">
                 <a:solidFill>
                   <a:srgbClr val="333333"/>
                 </a:solidFill>
-                <a:latin typeface="Open Sans"/>
+                <a:latin typeface="Arial" panose="020B0604020202020204" pitchFamily="34" charset="0"/>
+                <a:cs typeface="Arial" panose="020B0604020202020204" pitchFamily="34" charset="0"/>
               </a:rPr>
               <a:t>4 bytes skickas: </a:t>
             </a:r>
@@ -11392,11 +12111,12 @@
               <a:buAutoNum type="arabicPeriod"/>
             </a:pPr>
             <a:r>
-              <a:rPr lang="sv-SE" sz="2800" b="0" strike="noStrike" spc="-1" dirty="0">
+              <a:rPr lang="sv-SE" sz="2800" b="0" strike="noStrike" spc="-1">
                 <a:solidFill>
                   <a:srgbClr val="333333"/>
                 </a:solidFill>
-                <a:latin typeface="Open Sans"/>
+                <a:latin typeface="Arial" panose="020B0604020202020204" pitchFamily="34" charset="0"/>
+                <a:cs typeface="Arial" panose="020B0604020202020204" pitchFamily="34" charset="0"/>
               </a:rPr>
               <a:t>Start-byte: 0xFF</a:t>
             </a:r>
@@ -11414,11 +12134,12 @@
               <a:buAutoNum type="arabicPeriod"/>
             </a:pPr>
             <a:r>
-              <a:rPr lang="sv-SE" sz="2800" b="0" strike="noStrike" spc="-1" dirty="0">
+              <a:rPr lang="sv-SE" sz="2800" b="0" strike="noStrike" spc="-1">
                 <a:solidFill>
                   <a:srgbClr val="333333"/>
                 </a:solidFill>
-                <a:latin typeface="Open Sans"/>
+                <a:latin typeface="Arial" panose="020B0604020202020204" pitchFamily="34" charset="0"/>
+                <a:cs typeface="Arial" panose="020B0604020202020204" pitchFamily="34" charset="0"/>
               </a:rPr>
               <a:t>Instruktions-byte</a:t>
             </a:r>
@@ -11436,11 +12157,12 @@
               <a:buAutoNum type="arabicPeriod"/>
             </a:pPr>
             <a:r>
-              <a:rPr lang="sv-SE" sz="2800" b="0" strike="noStrike" spc="-1" dirty="0">
+              <a:rPr lang="sv-SE" sz="2800" b="0" strike="noStrike" spc="-1">
                 <a:solidFill>
                   <a:srgbClr val="333333"/>
                 </a:solidFill>
-                <a:latin typeface="Open Sans"/>
+                <a:latin typeface="Arial" panose="020B0604020202020204" pitchFamily="34" charset="0"/>
+                <a:cs typeface="Arial" panose="020B0604020202020204" pitchFamily="34" charset="0"/>
               </a:rPr>
               <a:t>Data 1: X position eller poäng för spelare 1</a:t>
             </a:r>
@@ -11458,11 +12180,12 @@
               <a:buAutoNum type="arabicPeriod"/>
             </a:pPr>
             <a:r>
-              <a:rPr lang="sv-SE" sz="2800" b="0" strike="noStrike" spc="-1" dirty="0">
+              <a:rPr lang="sv-SE" sz="2800" b="0" strike="noStrike" spc="-1">
                 <a:solidFill>
                   <a:srgbClr val="333333"/>
                 </a:solidFill>
-                <a:latin typeface="Open Sans"/>
+                <a:latin typeface="Arial" panose="020B0604020202020204" pitchFamily="34" charset="0"/>
+                <a:cs typeface="Arial" panose="020B0604020202020204" pitchFamily="34" charset="0"/>
               </a:rPr>
               <a:t>Data 2: Y position eller poäng för spelare 2</a:t>
             </a:r>
@@ -11479,8 +12202,384 @@
       <p:par>
         <p:cTn id="1" dur="indefinite" restart="never" nodeType="tmRoot">
           <p:childTnLst>
-            <p:seq>
-              <p:cTn id="2" nodeType="mainSeq"/>
+            <p:seq concurrent="1" nextAc="seek">
+              <p:cTn id="2" dur="indefinite" nodeType="mainSeq">
+                <p:childTnLst>
+                  <p:par>
+                    <p:cTn id="3" fill="hold">
+                      <p:stCondLst>
+                        <p:cond delay="indefinite"/>
+                      </p:stCondLst>
+                      <p:childTnLst>
+                        <p:par>
+                          <p:cTn id="4" fill="hold">
+                            <p:stCondLst>
+                              <p:cond delay="0"/>
+                            </p:stCondLst>
+                            <p:childTnLst>
+                              <p:par>
+                                <p:cTn id="5" presetID="10" presetClass="entr" presetSubtype="0" fill="hold" nodeType="clickEffect">
+                                  <p:stCondLst>
+                                    <p:cond delay="0"/>
+                                  </p:stCondLst>
+                                  <p:childTnLst>
+                                    <p:set>
+                                      <p:cBhvr>
+                                        <p:cTn id="6" dur="1" fill="hold">
+                                          <p:stCondLst>
+                                            <p:cond delay="0"/>
+                                          </p:stCondLst>
+                                        </p:cTn>
+                                        <p:tgtEl>
+                                          <p:spTgt spid="102">
+                                            <p:txEl>
+                                              <p:pRg st="0" end="0"/>
+                                            </p:txEl>
+                                          </p:spTgt>
+                                        </p:tgtEl>
+                                        <p:attrNameLst>
+                                          <p:attrName>style.visibility</p:attrName>
+                                        </p:attrNameLst>
+                                      </p:cBhvr>
+                                      <p:to>
+                                        <p:strVal val="visible"/>
+                                      </p:to>
+                                    </p:set>
+                                    <p:animEffect transition="in" filter="fade">
+                                      <p:cBhvr>
+                                        <p:cTn id="7" dur="500"/>
+                                        <p:tgtEl>
+                                          <p:spTgt spid="102">
+                                            <p:txEl>
+                                              <p:pRg st="0" end="0"/>
+                                            </p:txEl>
+                                          </p:spTgt>
+                                        </p:tgtEl>
+                                      </p:cBhvr>
+                                    </p:animEffect>
+                                  </p:childTnLst>
+                                </p:cTn>
+                              </p:par>
+                            </p:childTnLst>
+                          </p:cTn>
+                        </p:par>
+                      </p:childTnLst>
+                    </p:cTn>
+                  </p:par>
+                  <p:par>
+                    <p:cTn id="8" fill="hold">
+                      <p:stCondLst>
+                        <p:cond delay="indefinite"/>
+                      </p:stCondLst>
+                      <p:childTnLst>
+                        <p:par>
+                          <p:cTn id="9" fill="hold">
+                            <p:stCondLst>
+                              <p:cond delay="0"/>
+                            </p:stCondLst>
+                            <p:childTnLst>
+                              <p:par>
+                                <p:cTn id="10" presetID="10" presetClass="entr" presetSubtype="0" fill="hold" nodeType="clickEffect">
+                                  <p:stCondLst>
+                                    <p:cond delay="0"/>
+                                  </p:stCondLst>
+                                  <p:childTnLst>
+                                    <p:set>
+                                      <p:cBhvr>
+                                        <p:cTn id="11" dur="1" fill="hold">
+                                          <p:stCondLst>
+                                            <p:cond delay="0"/>
+                                          </p:stCondLst>
+                                        </p:cTn>
+                                        <p:tgtEl>
+                                          <p:spTgt spid="102">
+                                            <p:txEl>
+                                              <p:pRg st="1" end="1"/>
+                                            </p:txEl>
+                                          </p:spTgt>
+                                        </p:tgtEl>
+                                        <p:attrNameLst>
+                                          <p:attrName>style.visibility</p:attrName>
+                                        </p:attrNameLst>
+                                      </p:cBhvr>
+                                      <p:to>
+                                        <p:strVal val="visible"/>
+                                      </p:to>
+                                    </p:set>
+                                    <p:animEffect transition="in" filter="fade">
+                                      <p:cBhvr>
+                                        <p:cTn id="12" dur="500"/>
+                                        <p:tgtEl>
+                                          <p:spTgt spid="102">
+                                            <p:txEl>
+                                              <p:pRg st="1" end="1"/>
+                                            </p:txEl>
+                                          </p:spTgt>
+                                        </p:tgtEl>
+                                      </p:cBhvr>
+                                    </p:animEffect>
+                                  </p:childTnLst>
+                                </p:cTn>
+                              </p:par>
+                            </p:childTnLst>
+                          </p:cTn>
+                        </p:par>
+                      </p:childTnLst>
+                    </p:cTn>
+                  </p:par>
+                  <p:par>
+                    <p:cTn id="13" fill="hold">
+                      <p:stCondLst>
+                        <p:cond delay="indefinite"/>
+                      </p:stCondLst>
+                      <p:childTnLst>
+                        <p:par>
+                          <p:cTn id="14" fill="hold">
+                            <p:stCondLst>
+                              <p:cond delay="0"/>
+                            </p:stCondLst>
+                            <p:childTnLst>
+                              <p:par>
+                                <p:cTn id="15" presetID="10" presetClass="entr" presetSubtype="0" fill="hold" nodeType="clickEffect">
+                                  <p:stCondLst>
+                                    <p:cond delay="0"/>
+                                  </p:stCondLst>
+                                  <p:childTnLst>
+                                    <p:set>
+                                      <p:cBhvr>
+                                        <p:cTn id="16" dur="1" fill="hold">
+                                          <p:stCondLst>
+                                            <p:cond delay="0"/>
+                                          </p:stCondLst>
+                                        </p:cTn>
+                                        <p:tgtEl>
+                                          <p:spTgt spid="102">
+                                            <p:txEl>
+                                              <p:pRg st="2" end="2"/>
+                                            </p:txEl>
+                                          </p:spTgt>
+                                        </p:tgtEl>
+                                        <p:attrNameLst>
+                                          <p:attrName>style.visibility</p:attrName>
+                                        </p:attrNameLst>
+                                      </p:cBhvr>
+                                      <p:to>
+                                        <p:strVal val="visible"/>
+                                      </p:to>
+                                    </p:set>
+                                    <p:animEffect transition="in" filter="fade">
+                                      <p:cBhvr>
+                                        <p:cTn id="17" dur="500"/>
+                                        <p:tgtEl>
+                                          <p:spTgt spid="102">
+                                            <p:txEl>
+                                              <p:pRg st="2" end="2"/>
+                                            </p:txEl>
+                                          </p:spTgt>
+                                        </p:tgtEl>
+                                      </p:cBhvr>
+                                    </p:animEffect>
+                                  </p:childTnLst>
+                                </p:cTn>
+                              </p:par>
+                            </p:childTnLst>
+                          </p:cTn>
+                        </p:par>
+                      </p:childTnLst>
+                    </p:cTn>
+                  </p:par>
+                  <p:par>
+                    <p:cTn id="18" fill="hold">
+                      <p:stCondLst>
+                        <p:cond delay="indefinite"/>
+                      </p:stCondLst>
+                      <p:childTnLst>
+                        <p:par>
+                          <p:cTn id="19" fill="hold">
+                            <p:stCondLst>
+                              <p:cond delay="0"/>
+                            </p:stCondLst>
+                            <p:childTnLst>
+                              <p:par>
+                                <p:cTn id="20" presetID="10" presetClass="entr" presetSubtype="0" fill="hold" nodeType="clickEffect">
+                                  <p:stCondLst>
+                                    <p:cond delay="0"/>
+                                  </p:stCondLst>
+                                  <p:childTnLst>
+                                    <p:set>
+                                      <p:cBhvr>
+                                        <p:cTn id="21" dur="1" fill="hold">
+                                          <p:stCondLst>
+                                            <p:cond delay="0"/>
+                                          </p:stCondLst>
+                                        </p:cTn>
+                                        <p:tgtEl>
+                                          <p:spTgt spid="102">
+                                            <p:txEl>
+                                              <p:pRg st="3" end="3"/>
+                                            </p:txEl>
+                                          </p:spTgt>
+                                        </p:tgtEl>
+                                        <p:attrNameLst>
+                                          <p:attrName>style.visibility</p:attrName>
+                                        </p:attrNameLst>
+                                      </p:cBhvr>
+                                      <p:to>
+                                        <p:strVal val="visible"/>
+                                      </p:to>
+                                    </p:set>
+                                    <p:animEffect transition="in" filter="fade">
+                                      <p:cBhvr>
+                                        <p:cTn id="22" dur="500"/>
+                                        <p:tgtEl>
+                                          <p:spTgt spid="102">
+                                            <p:txEl>
+                                              <p:pRg st="3" end="3"/>
+                                            </p:txEl>
+                                          </p:spTgt>
+                                        </p:tgtEl>
+                                      </p:cBhvr>
+                                    </p:animEffect>
+                                  </p:childTnLst>
+                                </p:cTn>
+                              </p:par>
+                              <p:par>
+                                <p:cTn id="23" presetID="10" presetClass="entr" presetSubtype="0" fill="hold" nodeType="withEffect">
+                                  <p:stCondLst>
+                                    <p:cond delay="0"/>
+                                  </p:stCondLst>
+                                  <p:childTnLst>
+                                    <p:set>
+                                      <p:cBhvr>
+                                        <p:cTn id="24" dur="1" fill="hold">
+                                          <p:stCondLst>
+                                            <p:cond delay="0"/>
+                                          </p:stCondLst>
+                                        </p:cTn>
+                                        <p:tgtEl>
+                                          <p:spTgt spid="102">
+                                            <p:txEl>
+                                              <p:pRg st="4" end="4"/>
+                                            </p:txEl>
+                                          </p:spTgt>
+                                        </p:tgtEl>
+                                        <p:attrNameLst>
+                                          <p:attrName>style.visibility</p:attrName>
+                                        </p:attrNameLst>
+                                      </p:cBhvr>
+                                      <p:to>
+                                        <p:strVal val="visible"/>
+                                      </p:to>
+                                    </p:set>
+                                    <p:animEffect transition="in" filter="fade">
+                                      <p:cBhvr>
+                                        <p:cTn id="25" dur="500"/>
+                                        <p:tgtEl>
+                                          <p:spTgt spid="102">
+                                            <p:txEl>
+                                              <p:pRg st="4" end="4"/>
+                                            </p:txEl>
+                                          </p:spTgt>
+                                        </p:tgtEl>
+                                      </p:cBhvr>
+                                    </p:animEffect>
+                                  </p:childTnLst>
+                                </p:cTn>
+                              </p:par>
+                              <p:par>
+                                <p:cTn id="26" presetID="10" presetClass="entr" presetSubtype="0" fill="hold" nodeType="withEffect">
+                                  <p:stCondLst>
+                                    <p:cond delay="0"/>
+                                  </p:stCondLst>
+                                  <p:childTnLst>
+                                    <p:set>
+                                      <p:cBhvr>
+                                        <p:cTn id="27" dur="1" fill="hold">
+                                          <p:stCondLst>
+                                            <p:cond delay="0"/>
+                                          </p:stCondLst>
+                                        </p:cTn>
+                                        <p:tgtEl>
+                                          <p:spTgt spid="102">
+                                            <p:txEl>
+                                              <p:pRg st="5" end="5"/>
+                                            </p:txEl>
+                                          </p:spTgt>
+                                        </p:tgtEl>
+                                        <p:attrNameLst>
+                                          <p:attrName>style.visibility</p:attrName>
+                                        </p:attrNameLst>
+                                      </p:cBhvr>
+                                      <p:to>
+                                        <p:strVal val="visible"/>
+                                      </p:to>
+                                    </p:set>
+                                    <p:animEffect transition="in" filter="fade">
+                                      <p:cBhvr>
+                                        <p:cTn id="28" dur="500"/>
+                                        <p:tgtEl>
+                                          <p:spTgt spid="102">
+                                            <p:txEl>
+                                              <p:pRg st="5" end="5"/>
+                                            </p:txEl>
+                                          </p:spTgt>
+                                        </p:tgtEl>
+                                      </p:cBhvr>
+                                    </p:animEffect>
+                                  </p:childTnLst>
+                                </p:cTn>
+                              </p:par>
+                              <p:par>
+                                <p:cTn id="29" presetID="10" presetClass="entr" presetSubtype="0" fill="hold" nodeType="withEffect">
+                                  <p:stCondLst>
+                                    <p:cond delay="0"/>
+                                  </p:stCondLst>
+                                  <p:childTnLst>
+                                    <p:set>
+                                      <p:cBhvr>
+                                        <p:cTn id="30" dur="1" fill="hold">
+                                          <p:stCondLst>
+                                            <p:cond delay="0"/>
+                                          </p:stCondLst>
+                                        </p:cTn>
+                                        <p:tgtEl>
+                                          <p:spTgt spid="102">
+                                            <p:txEl>
+                                              <p:pRg st="6" end="6"/>
+                                            </p:txEl>
+                                          </p:spTgt>
+                                        </p:tgtEl>
+                                        <p:attrNameLst>
+                                          <p:attrName>style.visibility</p:attrName>
+                                        </p:attrNameLst>
+                                      </p:cBhvr>
+                                      <p:to>
+                                        <p:strVal val="visible"/>
+                                      </p:to>
+                                    </p:set>
+                                    <p:animEffect transition="in" filter="fade">
+                                      <p:cBhvr>
+                                        <p:cTn id="31" dur="500"/>
+                                        <p:tgtEl>
+                                          <p:spTgt spid="102">
+                                            <p:txEl>
+                                              <p:pRg st="6" end="6"/>
+                                            </p:txEl>
+                                          </p:spTgt>
+                                        </p:tgtEl>
+                                      </p:cBhvr>
+                                    </p:animEffect>
+                                  </p:childTnLst>
+                                </p:cTn>
+                              </p:par>
+                            </p:childTnLst>
+                          </p:cTn>
+                        </p:par>
+                      </p:childTnLst>
+                    </p:cTn>
+                  </p:par>
+                </p:childTnLst>
+              </p:cTn>
               <p:prevCondLst>
                 <p:cond evt="onPrev" delay="0">
                   <p:tgtEl>
@@ -11529,7 +12628,7 @@
         </p:nvSpPr>
         <p:spPr>
           <a:xfrm>
-            <a:off x="720000" y="300960"/>
+            <a:off x="720000" y="289809"/>
             <a:ext cx="8855640" cy="1262520"/>
           </a:xfrm>
           <a:prstGeom prst="rect">
@@ -11564,8 +12663,8 @@
         </p:nvSpPr>
         <p:spPr>
           <a:xfrm>
-            <a:off x="720000" y="2160000"/>
-            <a:ext cx="8640000" cy="4384800"/>
+            <a:off x="504360" y="1773044"/>
+            <a:ext cx="8855640" cy="1556688"/>
           </a:xfrm>
           <a:prstGeom prst="rect">
             <a:avLst/>
@@ -11579,15 +12678,134 @@
           <a:bodyPr lIns="0" tIns="0" rIns="0" bIns="0"/>
           <a:lstStyle/>
           <a:p>
-            <a:endParaRPr lang="sv-SE" sz="2800" b="0" strike="noStrike" spc="-1">
+            <a:pPr>
+              <a:buClr>
+                <a:srgbClr val="EF2929"/>
+              </a:buClr>
+            </a:pPr>
+            <a:r>
+              <a:rPr lang="sv-SE" spc="-1">
+                <a:latin typeface="Arial" panose="020B0604020202020204" pitchFamily="34" charset="0"/>
+                <a:cs typeface="Arial" panose="020B0604020202020204" pitchFamily="34" charset="0"/>
+              </a:rPr>
+              <a:t>I MAIN gör vi följande:</a:t>
+            </a:r>
+          </a:p>
+          <a:p>
+            <a:pPr marL="914400" lvl="1" indent="-457200">
+              <a:buClr>
+                <a:srgbClr val="EF2929"/>
+              </a:buClr>
+              <a:buFont typeface="Arial" panose="020B0604020202020204" pitchFamily="34" charset="0"/>
+              <a:buChar char="•"/>
+            </a:pPr>
+            <a:r>
+              <a:rPr lang="sv-SE" spc="-1">
+                <a:latin typeface="Arial" panose="020B0604020202020204" pitchFamily="34" charset="0"/>
+                <a:cs typeface="Arial" panose="020B0604020202020204" pitchFamily="34" charset="0"/>
+              </a:rPr>
+              <a:t>Laddar in fyra bytes som ska skickas till displayen</a:t>
+            </a:r>
+          </a:p>
+          <a:p>
+            <a:pPr marL="914400" lvl="1" indent="-457200">
+              <a:buClr>
+                <a:srgbClr val="EF2929"/>
+              </a:buClr>
+              <a:buFont typeface="Arial" panose="020B0604020202020204" pitchFamily="34" charset="0"/>
+              <a:buChar char="•"/>
+            </a:pPr>
+            <a:r>
+              <a:rPr lang="sv-SE" spc="-1">
+                <a:latin typeface="Arial" panose="020B0604020202020204" pitchFamily="34" charset="0"/>
+                <a:cs typeface="Arial" panose="020B0604020202020204" pitchFamily="34" charset="0"/>
+              </a:rPr>
+              <a:t>Skickar dem med hjälp av SPI</a:t>
+            </a:r>
+          </a:p>
+          <a:p>
+            <a:pPr marL="914400" lvl="1" indent="-457200">
+              <a:buClr>
+                <a:srgbClr val="EF2929"/>
+              </a:buClr>
+              <a:buFont typeface="Arial" panose="020B0604020202020204" pitchFamily="34" charset="0"/>
+              <a:buChar char="•"/>
+            </a:pPr>
+            <a:r>
+              <a:rPr lang="sv-SE" spc="-1">
+                <a:latin typeface="Arial" panose="020B0604020202020204" pitchFamily="34" charset="0"/>
+                <a:cs typeface="Arial" panose="020B0604020202020204" pitchFamily="34" charset="0"/>
+              </a:rPr>
+              <a:t>Skiftar INDEX, vilket väljer nästa rad som ska lysa upp</a:t>
+            </a:r>
+          </a:p>
+          <a:p>
+            <a:pPr marL="914400" lvl="1" indent="-457200">
+              <a:buClr>
+                <a:srgbClr val="EF2929"/>
+              </a:buClr>
+              <a:buFont typeface="Arial" panose="020B0604020202020204" pitchFamily="34" charset="0"/>
+              <a:buChar char="•"/>
+            </a:pPr>
+            <a:r>
+              <a:rPr lang="sv-SE" spc="-1">
+                <a:latin typeface="Arial" panose="020B0604020202020204" pitchFamily="34" charset="0"/>
+                <a:cs typeface="Arial" panose="020B0604020202020204" pitchFamily="34" charset="0"/>
+              </a:rPr>
+              <a:t>Checkar efter och översätter nästa kommando från spelprocessorn</a:t>
+            </a:r>
+          </a:p>
+          <a:p>
+            <a:pPr marL="914400" lvl="1" indent="-457200">
+              <a:buFont typeface="Arial" panose="020B0604020202020204" pitchFamily="34" charset="0"/>
+              <a:buChar char="•"/>
+            </a:pPr>
+            <a:endParaRPr lang="sv-SE" sz="2800" spc="-1">
               <a:solidFill>
                 <a:srgbClr val="333333"/>
               </a:solidFill>
-              <a:latin typeface="Open Sans"/>
+              <a:latin typeface="Arial" panose="020B0604020202020204" pitchFamily="34" charset="0"/>
+              <a:cs typeface="Arial" panose="020B0604020202020204" pitchFamily="34" charset="0"/>
             </a:endParaRPr>
           </a:p>
         </p:txBody>
       </p:sp>
+      <p:pic>
+        <p:nvPicPr>
+          <p:cNvPr id="3" name="Bildobjekt 2" descr="En bild som visar skärmbild, svart, gata, stad&#10;&#10;Automatiskt genererad beskrivning">
+            <a:extLst>
+              <a:ext uri="{FF2B5EF4-FFF2-40B4-BE49-F238E27FC236}">
+                <a16:creationId xmlns:a16="http://schemas.microsoft.com/office/drawing/2014/main" id="{28D1FF01-4AC9-41C8-B4EE-5D5EC31CD04C}"/>
+              </a:ext>
+            </a:extLst>
+          </p:cNvPr>
+          <p:cNvPicPr>
+            <a:picLocks noChangeAspect="1"/>
+          </p:cNvPicPr>
+          <p:nvPr/>
+        </p:nvPicPr>
+        <p:blipFill>
+          <a:blip r:embed="rId2">
+            <a:extLst>
+              <a:ext uri="{28A0092B-C50C-407E-A947-70E740481C1C}">
+                <a14:useLocalDpi xmlns:a14="http://schemas.microsoft.com/office/drawing/2010/main" val="0"/>
+              </a:ext>
+            </a:extLst>
+          </a:blip>
+          <a:stretch>
+            <a:fillRect/>
+          </a:stretch>
+        </p:blipFill>
+        <p:spPr>
+          <a:xfrm>
+            <a:off x="-1" y="3329732"/>
+            <a:ext cx="10080625" cy="3531898"/>
+          </a:xfrm>
+          <a:prstGeom prst="rect">
+            <a:avLst/>
+          </a:prstGeom>
+        </p:spPr>
+      </p:pic>
     </p:spTree>
   </p:cSld>
   <p:clrMapOvr>
@@ -11598,8 +12816,207 @@
       <p:par>
         <p:cTn id="1" dur="indefinite" restart="never" nodeType="tmRoot">
           <p:childTnLst>
-            <p:seq>
-              <p:cTn id="2" nodeType="mainSeq"/>
+            <p:seq concurrent="1" nextAc="seek">
+              <p:cTn id="2" dur="indefinite" nodeType="mainSeq">
+                <p:childTnLst>
+                  <p:par>
+                    <p:cTn id="3" fill="hold">
+                      <p:stCondLst>
+                        <p:cond delay="indefinite"/>
+                      </p:stCondLst>
+                      <p:childTnLst>
+                        <p:par>
+                          <p:cTn id="4" fill="hold">
+                            <p:stCondLst>
+                              <p:cond delay="0"/>
+                            </p:stCondLst>
+                            <p:childTnLst>
+                              <p:par>
+                                <p:cTn id="5" presetID="1" presetClass="entr" presetSubtype="0" fill="hold" nodeType="clickEffect">
+                                  <p:stCondLst>
+                                    <p:cond delay="0"/>
+                                  </p:stCondLst>
+                                  <p:childTnLst>
+                                    <p:set>
+                                      <p:cBhvr>
+                                        <p:cTn id="6" dur="1" fill="hold">
+                                          <p:stCondLst>
+                                            <p:cond delay="0"/>
+                                          </p:stCondLst>
+                                        </p:cTn>
+                                        <p:tgtEl>
+                                          <p:spTgt spid="104">
+                                            <p:txEl>
+                                              <p:pRg st="1" end="1"/>
+                                            </p:txEl>
+                                          </p:spTgt>
+                                        </p:tgtEl>
+                                        <p:attrNameLst>
+                                          <p:attrName>style.visibility</p:attrName>
+                                        </p:attrNameLst>
+                                      </p:cBhvr>
+                                      <p:to>
+                                        <p:strVal val="visible"/>
+                                      </p:to>
+                                    </p:set>
+                                  </p:childTnLst>
+                                </p:cTn>
+                              </p:par>
+                            </p:childTnLst>
+                          </p:cTn>
+                        </p:par>
+                      </p:childTnLst>
+                    </p:cTn>
+                  </p:par>
+                  <p:par>
+                    <p:cTn id="7" fill="hold">
+                      <p:stCondLst>
+                        <p:cond delay="indefinite"/>
+                      </p:stCondLst>
+                      <p:childTnLst>
+                        <p:par>
+                          <p:cTn id="8" fill="hold">
+                            <p:stCondLst>
+                              <p:cond delay="0"/>
+                            </p:stCondLst>
+                            <p:childTnLst>
+                              <p:par>
+                                <p:cTn id="9" presetID="1" presetClass="entr" presetSubtype="0" fill="hold" nodeType="clickEffect">
+                                  <p:stCondLst>
+                                    <p:cond delay="0"/>
+                                  </p:stCondLst>
+                                  <p:childTnLst>
+                                    <p:set>
+                                      <p:cBhvr>
+                                        <p:cTn id="10" dur="1" fill="hold">
+                                          <p:stCondLst>
+                                            <p:cond delay="0"/>
+                                          </p:stCondLst>
+                                        </p:cTn>
+                                        <p:tgtEl>
+                                          <p:spTgt spid="104">
+                                            <p:txEl>
+                                              <p:pRg st="2" end="2"/>
+                                            </p:txEl>
+                                          </p:spTgt>
+                                        </p:tgtEl>
+                                        <p:attrNameLst>
+                                          <p:attrName>style.visibility</p:attrName>
+                                        </p:attrNameLst>
+                                      </p:cBhvr>
+                                      <p:to>
+                                        <p:strVal val="visible"/>
+                                      </p:to>
+                                    </p:set>
+                                  </p:childTnLst>
+                                </p:cTn>
+                              </p:par>
+                            </p:childTnLst>
+                          </p:cTn>
+                        </p:par>
+                      </p:childTnLst>
+                    </p:cTn>
+                  </p:par>
+                  <p:par>
+                    <p:cTn id="11" fill="hold">
+                      <p:stCondLst>
+                        <p:cond delay="indefinite"/>
+                      </p:stCondLst>
+                      <p:childTnLst>
+                        <p:par>
+                          <p:cTn id="12" fill="hold">
+                            <p:stCondLst>
+                              <p:cond delay="0"/>
+                            </p:stCondLst>
+                            <p:childTnLst>
+                              <p:par>
+                                <p:cTn id="13" presetID="1" presetClass="entr" presetSubtype="0" fill="hold" nodeType="clickEffect">
+                                  <p:stCondLst>
+                                    <p:cond delay="0"/>
+                                  </p:stCondLst>
+                                  <p:childTnLst>
+                                    <p:set>
+                                      <p:cBhvr>
+                                        <p:cTn id="14" dur="1" fill="hold">
+                                          <p:stCondLst>
+                                            <p:cond delay="0"/>
+                                          </p:stCondLst>
+                                        </p:cTn>
+                                        <p:tgtEl>
+                                          <p:spTgt spid="104">
+                                            <p:txEl>
+                                              <p:pRg st="3" end="3"/>
+                                            </p:txEl>
+                                          </p:spTgt>
+                                        </p:tgtEl>
+                                        <p:attrNameLst>
+                                          <p:attrName>style.visibility</p:attrName>
+                                        </p:attrNameLst>
+                                      </p:cBhvr>
+                                      <p:to>
+                                        <p:strVal val="visible"/>
+                                      </p:to>
+                                    </p:set>
+                                  </p:childTnLst>
+                                </p:cTn>
+                              </p:par>
+                            </p:childTnLst>
+                          </p:cTn>
+                        </p:par>
+                      </p:childTnLst>
+                    </p:cTn>
+                  </p:par>
+                  <p:par>
+                    <p:cTn id="15" fill="hold">
+                      <p:stCondLst>
+                        <p:cond delay="indefinite"/>
+                      </p:stCondLst>
+                      <p:childTnLst>
+                        <p:par>
+                          <p:cTn id="16" fill="hold">
+                            <p:stCondLst>
+                              <p:cond delay="0"/>
+                            </p:stCondLst>
+                            <p:childTnLst>
+                              <p:par>
+                                <p:cTn id="17" presetID="1" presetClass="entr" presetSubtype="0" fill="hold" nodeType="clickEffect">
+                                  <p:stCondLst>
+                                    <p:cond delay="0"/>
+                                  </p:stCondLst>
+                                  <p:childTnLst>
+                                    <p:set>
+                                      <p:cBhvr>
+                                        <p:cTn id="18" dur="1" fill="hold">
+                                          <p:stCondLst>
+                                            <p:cond delay="0"/>
+                                          </p:stCondLst>
+                                        </p:cTn>
+                                        <p:tgtEl>
+                                          <p:spTgt spid="104">
+                                            <p:txEl>
+                                              <p:pRg st="4" end="4"/>
+                                            </p:txEl>
+                                          </p:spTgt>
+                                        </p:tgtEl>
+                                        <p:attrNameLst>
+                                          <p:attrName>style.visibility</p:attrName>
+                                        </p:attrNameLst>
+                                      </p:cBhvr>
+                                      <p:to>
+                                        <p:strVal val="visible"/>
+                                      </p:to>
+                                    </p:set>
+                                  </p:childTnLst>
+                                </p:cTn>
+                              </p:par>
+                            </p:childTnLst>
+                          </p:cTn>
+                        </p:par>
+                      </p:childTnLst>
+                    </p:cTn>
+                  </p:par>
+                </p:childTnLst>
+              </p:cTn>
               <p:prevCondLst>
                 <p:cond evt="onPrev" delay="0">
                   <p:tgtEl>
@@ -11620,6 +13037,121 @@
       </p:par>
     </p:tnLst>
   </p:timing>
+</p:sld>
+</file>
+
+<file path=ppt/slides/slide9.xml><?xml version="1.0" encoding="utf-8"?>
+<p:sld xmlns:a="http://schemas.openxmlformats.org/drawingml/2006/main" xmlns:r="http://schemas.openxmlformats.org/officeDocument/2006/relationships" xmlns:p="http://schemas.openxmlformats.org/presentationml/2006/main">
+  <p:cSld>
+    <p:bg>
+      <p:bgPr>
+        <a:solidFill>
+          <a:schemeClr val="bg1"/>
+        </a:solidFill>
+        <a:effectLst/>
+      </p:bgPr>
+    </p:bg>
+    <p:spTree>
+      <p:nvGrpSpPr>
+        <p:cNvPr id="1" name=""/>
+        <p:cNvGrpSpPr/>
+        <p:nvPr/>
+      </p:nvGrpSpPr>
+      <p:grpSpPr>
+        <a:xfrm>
+          <a:off x="0" y="0"/>
+          <a:ext cx="0" cy="0"/>
+          <a:chOff x="0" y="0"/>
+          <a:chExt cx="0" cy="0"/>
+        </a:xfrm>
+      </p:grpSpPr>
+      <p:pic>
+        <p:nvPicPr>
+          <p:cNvPr id="27" name="Bildobjekt 4">
+            <a:extLst>
+              <a:ext uri="{FF2B5EF4-FFF2-40B4-BE49-F238E27FC236}">
+                <a16:creationId xmlns:a16="http://schemas.microsoft.com/office/drawing/2014/main" id="{666AC690-0A92-4341-9DC9-9A4AC63EAC38}"/>
+              </a:ext>
+            </a:extLst>
+          </p:cNvPr>
+          <p:cNvPicPr>
+            <a:picLocks noChangeAspect="1"/>
+          </p:cNvPicPr>
+          <p:nvPr/>
+        </p:nvPicPr>
+        <p:blipFill>
+          <a:blip r:embed="rId2">
+            <a:extLst>
+              <a:ext uri="{28A0092B-C50C-407E-A947-70E740481C1C}">
+                <a14:useLocalDpi xmlns:a14="http://schemas.microsoft.com/office/drawing/2010/main" val="0"/>
+              </a:ext>
+            </a:extLst>
+          </a:blip>
+          <a:stretch>
+            <a:fillRect/>
+          </a:stretch>
+        </p:blipFill>
+        <p:spPr>
+          <a:xfrm>
+            <a:off x="62978" y="2588267"/>
+            <a:ext cx="9954667" cy="3981866"/>
+          </a:xfrm>
+          <a:prstGeom prst="rect">
+            <a:avLst/>
+          </a:prstGeom>
+        </p:spPr>
+      </p:pic>
+      <p:sp>
+        <p:nvSpPr>
+          <p:cNvPr id="30" name="TextShape 1">
+            <a:extLst>
+              <a:ext uri="{FF2B5EF4-FFF2-40B4-BE49-F238E27FC236}">
+                <a16:creationId xmlns:a16="http://schemas.microsoft.com/office/drawing/2014/main" id="{078A00E9-D50A-4E6E-847E-EDB2B4D79BE9}"/>
+              </a:ext>
+            </a:extLst>
+          </p:cNvPr>
+          <p:cNvSpPr txBox="1"/>
+          <p:nvPr/>
+        </p:nvSpPr>
+        <p:spPr>
+          <a:xfrm>
+            <a:off x="720000" y="289809"/>
+            <a:ext cx="8855640" cy="1262520"/>
+          </a:xfrm>
+          <a:prstGeom prst="rect">
+            <a:avLst/>
+          </a:prstGeom>
+          <a:noFill/>
+          <a:ln>
+            <a:noFill/>
+          </a:ln>
+        </p:spPr>
+        <p:txBody>
+          <a:bodyPr lIns="0" tIns="0" rIns="0" bIns="0" anchor="ctr"/>
+          <a:lstStyle/>
+          <a:p>
+            <a:r>
+              <a:rPr lang="sv-SE" sz="4400" b="1" strike="noStrike" spc="-1" dirty="0">
+                <a:solidFill>
+                  <a:srgbClr val="333333"/>
+                </a:solidFill>
+                <a:latin typeface="Open Sans"/>
+              </a:rPr>
+              <a:t>Videoprocessorn-Läs och skicka</a:t>
+            </a:r>
+          </a:p>
+        </p:txBody>
+      </p:sp>
+    </p:spTree>
+    <p:extLst>
+      <p:ext uri="{BB962C8B-B14F-4D97-AF65-F5344CB8AC3E}">
+        <p14:creationId xmlns:p14="http://schemas.microsoft.com/office/powerpoint/2010/main" val="237073027"/>
+      </p:ext>
+    </p:extLst>
+  </p:cSld>
+  <p:clrMapOvr>
+    <a:masterClrMapping/>
+  </p:clrMapOvr>
 </p:sld>
 </file>
 
@@ -12158,4 +13690,280 @@
     </a:ext>
   </a:extLst>
 </a:theme>
+</file>
+
+<file path=customXml/item1.xml><?xml version="1.0" encoding="utf-8"?>
+<?mso-contentType ?>
+<FormTemplates xmlns="http://schemas.microsoft.com/sharepoint/v3/contenttype/forms">
+  <Display>DocumentLibraryForm</Display>
+  <Edit>DocumentLibraryForm</Edit>
+  <New>DocumentLibraryForm</New>
+</FormTemplates>
+</file>
+
+<file path=customXml/item2.xml><?xml version="1.0" encoding="utf-8"?>
+<ct:contentTypeSchema xmlns:ct="http://schemas.microsoft.com/office/2006/metadata/contentType" xmlns:ma="http://schemas.microsoft.com/office/2006/metadata/properties/metaAttributes" ct:_="" ma:_="" ma:contentTypeName="Document" ma:contentTypeID="0x010100DF8D5975326573468D97CD0FD1BD4D12" ma:contentTypeVersion="12" ma:contentTypeDescription="Create a new document." ma:contentTypeScope="" ma:versionID="08670759c13ab7aadb87093bb24e29fd">
+  <xsd:schema xmlns:xsd="http://www.w3.org/2001/XMLSchema" xmlns:xs="http://www.w3.org/2001/XMLSchema" xmlns:p="http://schemas.microsoft.com/office/2006/metadata/properties" xmlns:ns3="5d4b46a5-5743-423a-a2fa-79783a5e3a2c" xmlns:ns4="ef55713f-5d0f-4e84-bb43-602f28eca4e7" targetNamespace="http://schemas.microsoft.com/office/2006/metadata/properties" ma:root="true" ma:fieldsID="e59e24e3c86d51e18d3016e99c9be2da" ns3:_="" ns4:_="">
+    <xsd:import namespace="5d4b46a5-5743-423a-a2fa-79783a5e3a2c"/>
+    <xsd:import namespace="ef55713f-5d0f-4e84-bb43-602f28eca4e7"/>
+    <xsd:element name="properties">
+      <xsd:complexType>
+        <xsd:sequence>
+          <xsd:element name="documentManagement">
+            <xsd:complexType>
+              <xsd:all>
+                <xsd:element ref="ns3:MediaServiceMetadata" minOccurs="0"/>
+                <xsd:element ref="ns3:MediaServiceFastMetadata" minOccurs="0"/>
+                <xsd:element ref="ns3:MediaServiceDateTaken" minOccurs="0"/>
+                <xsd:element ref="ns3:MediaServiceAutoTags" minOccurs="0"/>
+                <xsd:element ref="ns3:MediaServiceGenerationTime" minOccurs="0"/>
+                <xsd:element ref="ns3:MediaServiceEventHashCode" minOccurs="0"/>
+                <xsd:element ref="ns3:MediaServiceOCR" minOccurs="0"/>
+                <xsd:element ref="ns4:SharedWithUsers" minOccurs="0"/>
+                <xsd:element ref="ns4:SharedWithDetails" minOccurs="0"/>
+                <xsd:element ref="ns4:SharingHintHash" minOccurs="0"/>
+                <xsd:element ref="ns3:MediaServiceAutoKeyPoints" minOccurs="0"/>
+                <xsd:element ref="ns3:MediaServiceKeyPoints" minOccurs="0"/>
+              </xsd:all>
+            </xsd:complexType>
+          </xsd:element>
+        </xsd:sequence>
+      </xsd:complexType>
+    </xsd:element>
+  </xsd:schema>
+  <xsd:schema xmlns:xsd="http://www.w3.org/2001/XMLSchema" xmlns:xs="http://www.w3.org/2001/XMLSchema" xmlns:dms="http://schemas.microsoft.com/office/2006/documentManagement/types" xmlns:pc="http://schemas.microsoft.com/office/infopath/2007/PartnerControls" targetNamespace="5d4b46a5-5743-423a-a2fa-79783a5e3a2c" elementFormDefault="qualified">
+    <xsd:import namespace="http://schemas.microsoft.com/office/2006/documentManagement/types"/>
+    <xsd:import namespace="http://schemas.microsoft.com/office/infopath/2007/PartnerControls"/>
+    <xsd:element name="MediaServiceMetadata" ma:index="8" nillable="true" ma:displayName="MediaServiceMetadata" ma:hidden="true" ma:internalName="MediaServiceMetadata" ma:readOnly="true">
+      <xsd:simpleType>
+        <xsd:restriction base="dms:Note"/>
+      </xsd:simpleType>
+    </xsd:element>
+    <xsd:element name="MediaServiceFastMetadata" ma:index="9" nillable="true" ma:displayName="MediaServiceFastMetadata" ma:hidden="true" ma:internalName="MediaServiceFastMetadata" ma:readOnly="true">
+      <xsd:simpleType>
+        <xsd:restriction base="dms:Note"/>
+      </xsd:simpleType>
+    </xsd:element>
+    <xsd:element name="MediaServiceDateTaken" ma:index="10" nillable="true" ma:displayName="MediaServiceDateTaken" ma:hidden="true" ma:internalName="MediaServiceDateTaken" ma:readOnly="true">
+      <xsd:simpleType>
+        <xsd:restriction base="dms:Text"/>
+      </xsd:simpleType>
+    </xsd:element>
+    <xsd:element name="MediaServiceAutoTags" ma:index="11" nillable="true" ma:displayName="Tags" ma:internalName="MediaServiceAutoTags" ma:readOnly="true">
+      <xsd:simpleType>
+        <xsd:restriction base="dms:Text"/>
+      </xsd:simpleType>
+    </xsd:element>
+    <xsd:element name="MediaServiceGenerationTime" ma:index="12" nillable="true" ma:displayName="MediaServiceGenerationTime" ma:hidden="true" ma:internalName="MediaServiceGenerationTime" ma:readOnly="true">
+      <xsd:simpleType>
+        <xsd:restriction base="dms:Text"/>
+      </xsd:simpleType>
+    </xsd:element>
+    <xsd:element name="MediaServiceEventHashCode" ma:index="13" nillable="true" ma:displayName="MediaServiceEventHashCode" ma:hidden="true" ma:internalName="MediaServiceEventHashCode" ma:readOnly="true">
+      <xsd:simpleType>
+        <xsd:restriction base="dms:Text"/>
+      </xsd:simpleType>
+    </xsd:element>
+    <xsd:element name="MediaServiceOCR" ma:index="14" nillable="true" ma:displayName="Extracted Text" ma:internalName="MediaServiceOCR" ma:readOnly="true">
+      <xsd:simpleType>
+        <xsd:restriction base="dms:Note">
+          <xsd:maxLength value="255"/>
+        </xsd:restriction>
+      </xsd:simpleType>
+    </xsd:element>
+    <xsd:element name="MediaServiceAutoKeyPoints" ma:index="18" nillable="true" ma:displayName="MediaServiceAutoKeyPoints" ma:hidden="true" ma:internalName="MediaServiceAutoKeyPoints" ma:readOnly="true">
+      <xsd:simpleType>
+        <xsd:restriction base="dms:Note"/>
+      </xsd:simpleType>
+    </xsd:element>
+    <xsd:element name="MediaServiceKeyPoints" ma:index="19" nillable="true" ma:displayName="KeyPoints" ma:internalName="MediaServiceKeyPoints" ma:readOnly="true">
+      <xsd:simpleType>
+        <xsd:restriction base="dms:Note">
+          <xsd:maxLength value="255"/>
+        </xsd:restriction>
+      </xsd:simpleType>
+    </xsd:element>
+  </xsd:schema>
+  <xsd:schema xmlns:xsd="http://www.w3.org/2001/XMLSchema" xmlns:xs="http://www.w3.org/2001/XMLSchema" xmlns:dms="http://schemas.microsoft.com/office/2006/documentManagement/types" xmlns:pc="http://schemas.microsoft.com/office/infopath/2007/PartnerControls" targetNamespace="ef55713f-5d0f-4e84-bb43-602f28eca4e7" elementFormDefault="qualified">
+    <xsd:import namespace="http://schemas.microsoft.com/office/2006/documentManagement/types"/>
+    <xsd:import namespace="http://schemas.microsoft.com/office/infopath/2007/PartnerControls"/>
+    <xsd:element name="SharedWithUsers" ma:index="15" nillable="true" ma:displayName="Shared With" ma:internalName="SharedWithUsers" ma:readOnly="true">
+      <xsd:complexType>
+        <xsd:complexContent>
+          <xsd:extension base="dms:UserMulti">
+            <xsd:sequence>
+              <xsd:element name="UserInfo" minOccurs="0" maxOccurs="unbounded">
+                <xsd:complexType>
+                  <xsd:sequence>
+                    <xsd:element name="DisplayName" type="xsd:string" minOccurs="0"/>
+                    <xsd:element name="AccountId" type="dms:UserId" minOccurs="0" nillable="true"/>
+                    <xsd:element name="AccountType" type="xsd:string" minOccurs="0"/>
+                  </xsd:sequence>
+                </xsd:complexType>
+              </xsd:element>
+            </xsd:sequence>
+          </xsd:extension>
+        </xsd:complexContent>
+      </xsd:complexType>
+    </xsd:element>
+    <xsd:element name="SharedWithDetails" ma:index="16" nillable="true" ma:displayName="Shared With Details" ma:internalName="SharedWithDetails" ma:readOnly="true">
+      <xsd:simpleType>
+        <xsd:restriction base="dms:Note">
+          <xsd:maxLength value="255"/>
+        </xsd:restriction>
+      </xsd:simpleType>
+    </xsd:element>
+    <xsd:element name="SharingHintHash" ma:index="17" nillable="true" ma:displayName="Sharing Hint Hash" ma:hidden="true" ma:internalName="SharingHintHash" ma:readOnly="true">
+      <xsd:simpleType>
+        <xsd:restriction base="dms:Text"/>
+      </xsd:simpleType>
+    </xsd:element>
+  </xsd:schema>
+  <xsd:schema xmlns="http://schemas.openxmlformats.org/package/2006/metadata/core-properties" xmlns:xsd="http://www.w3.org/2001/XMLSchema" xmlns:xsi="http://www.w3.org/2001/XMLSchema-instance" xmlns:dc="http://purl.org/dc/elements/1.1/" xmlns:dcterms="http://purl.org/dc/terms/" xmlns:odoc="http://schemas.microsoft.com/internal/obd" targetNamespace="http://schemas.openxmlformats.org/package/2006/metadata/core-properties" elementFormDefault="qualified" attributeFormDefault="unqualified" blockDefault="#all">
+    <xsd:import namespace="http://purl.org/dc/elements/1.1/" schemaLocation="http://dublincore.org/schemas/xmls/qdc/2003/04/02/dc.xsd"/>
+    <xsd:import namespace="http://purl.org/dc/terms/" schemaLocation="http://dublincore.org/schemas/xmls/qdc/2003/04/02/dcterms.xsd"/>
+    <xsd:element name="coreProperties" type="CT_coreProperties"/>
+    <xsd:complexType name="CT_coreProperties">
+      <xsd:all>
+        <xsd:element ref="dc:creator" minOccurs="0" maxOccurs="1"/>
+        <xsd:element ref="dcterms:created" minOccurs="0" maxOccurs="1"/>
+        <xsd:element ref="dc:identifier" minOccurs="0" maxOccurs="1"/>
+        <xsd:element name="contentType" minOccurs="0" maxOccurs="1" type="xsd:string" ma:index="0" ma:displayName="Content Type"/>
+        <xsd:element ref="dc:title" minOccurs="0" maxOccurs="1" ma:index="4" ma:displayName="Title"/>
+        <xsd:element ref="dc:subject" minOccurs="0" maxOccurs="1"/>
+        <xsd:element ref="dc:description" minOccurs="0" maxOccurs="1"/>
+        <xsd:element name="keywords" minOccurs="0" maxOccurs="1" type="xsd:string"/>
+        <xsd:element ref="dc:language" minOccurs="0" maxOccurs="1"/>
+        <xsd:element name="category" minOccurs="0" maxOccurs="1" type="xsd:string"/>
+        <xsd:element name="version" minOccurs="0" maxOccurs="1" type="xsd:string"/>
+        <xsd:element name="revision" minOccurs="0" maxOccurs="1" type="xsd:string">
+          <xsd:annotation>
+            <xsd:documentation>
+                        This value indicates the number of saves or revisions. The application is responsible for updating this value after each revision.
+                    </xsd:documentation>
+          </xsd:annotation>
+        </xsd:element>
+        <xsd:element name="lastModifiedBy" minOccurs="0" maxOccurs="1" type="xsd:string"/>
+        <xsd:element ref="dcterms:modified" minOccurs="0" maxOccurs="1"/>
+        <xsd:element name="contentStatus" minOccurs="0" maxOccurs="1" type="xsd:string"/>
+      </xsd:all>
+    </xsd:complexType>
+  </xsd:schema>
+  <xs:schema xmlns:pc="http://schemas.microsoft.com/office/infopath/2007/PartnerControls" xmlns:xs="http://www.w3.org/2001/XMLSchema" targetNamespace="http://schemas.microsoft.com/office/infopath/2007/PartnerControls" elementFormDefault="qualified" attributeFormDefault="unqualified">
+    <xs:element name="Person">
+      <xs:complexType>
+        <xs:sequence>
+          <xs:element ref="pc:DisplayName" minOccurs="0"/>
+          <xs:element ref="pc:AccountId" minOccurs="0"/>
+          <xs:element ref="pc:AccountType" minOccurs="0"/>
+        </xs:sequence>
+      </xs:complexType>
+    </xs:element>
+    <xs:element name="DisplayName" type="xs:string"/>
+    <xs:element name="AccountId" type="xs:string"/>
+    <xs:element name="AccountType" type="xs:string"/>
+    <xs:element name="BDCAssociatedEntity">
+      <xs:complexType>
+        <xs:sequence>
+          <xs:element ref="pc:BDCEntity" minOccurs="0" maxOccurs="unbounded"/>
+        </xs:sequence>
+        <xs:attribute ref="pc:EntityNamespace"/>
+        <xs:attribute ref="pc:EntityName"/>
+        <xs:attribute ref="pc:SystemInstanceName"/>
+        <xs:attribute ref="pc:AssociationName"/>
+      </xs:complexType>
+    </xs:element>
+    <xs:attribute name="EntityNamespace" type="xs:string"/>
+    <xs:attribute name="EntityName" type="xs:string"/>
+    <xs:attribute name="SystemInstanceName" type="xs:string"/>
+    <xs:attribute name="AssociationName" type="xs:string"/>
+    <xs:element name="BDCEntity">
+      <xs:complexType>
+        <xs:sequence>
+          <xs:element ref="pc:EntityDisplayName" minOccurs="0"/>
+          <xs:element ref="pc:EntityInstanceReference" minOccurs="0"/>
+          <xs:element ref="pc:EntityId1" minOccurs="0"/>
+          <xs:element ref="pc:EntityId2" minOccurs="0"/>
+          <xs:element ref="pc:EntityId3" minOccurs="0"/>
+          <xs:element ref="pc:EntityId4" minOccurs="0"/>
+          <xs:element ref="pc:EntityId5" minOccurs="0"/>
+        </xs:sequence>
+      </xs:complexType>
+    </xs:element>
+    <xs:element name="EntityDisplayName" type="xs:string"/>
+    <xs:element name="EntityInstanceReference" type="xs:string"/>
+    <xs:element name="EntityId1" type="xs:string"/>
+    <xs:element name="EntityId2" type="xs:string"/>
+    <xs:element name="EntityId3" type="xs:string"/>
+    <xs:element name="EntityId4" type="xs:string"/>
+    <xs:element name="EntityId5" type="xs:string"/>
+    <xs:element name="Terms">
+      <xs:complexType>
+        <xs:sequence>
+          <xs:element ref="pc:TermInfo" minOccurs="0" maxOccurs="unbounded"/>
+        </xs:sequence>
+      </xs:complexType>
+    </xs:element>
+    <xs:element name="TermInfo">
+      <xs:complexType>
+        <xs:sequence>
+          <xs:element ref="pc:TermName" minOccurs="0"/>
+          <xs:element ref="pc:TermId" minOccurs="0"/>
+        </xs:sequence>
+      </xs:complexType>
+    </xs:element>
+    <xs:element name="TermName" type="xs:string"/>
+    <xs:element name="TermId" type="xs:string"/>
+  </xs:schema>
+</ct:contentTypeSchema>
+</file>
+
+<file path=customXml/item3.xml><?xml version="1.0" encoding="utf-8"?>
+<p:properties xmlns:p="http://schemas.microsoft.com/office/2006/metadata/properties" xmlns:xsi="http://www.w3.org/2001/XMLSchema-instance" xmlns:pc="http://schemas.microsoft.com/office/infopath/2007/PartnerControls">
+  <documentManagement/>
+</p:properties>
+</file>
+
+<file path=customXml/itemProps1.xml><?xml version="1.0" encoding="utf-8"?>
+<ds:datastoreItem xmlns:ds="http://schemas.openxmlformats.org/officeDocument/2006/customXml" ds:itemID="{DA10C1CA-6802-4769-9EDF-98FAA4F28999}">
+  <ds:schemaRefs>
+    <ds:schemaRef ds:uri="http://schemas.microsoft.com/sharepoint/v3/contenttype/forms"/>
+  </ds:schemaRefs>
+</ds:datastoreItem>
+</file>
+
+<file path=customXml/itemProps2.xml><?xml version="1.0" encoding="utf-8"?>
+<ds:datastoreItem xmlns:ds="http://schemas.openxmlformats.org/officeDocument/2006/customXml" ds:itemID="{74FAEFA6-3717-4881-9752-B0F727F2D70D}">
+  <ds:schemaRefs>
+    <ds:schemaRef ds:uri="http://schemas.microsoft.com/office/2006/metadata/contentType"/>
+    <ds:schemaRef ds:uri="http://schemas.microsoft.com/office/2006/metadata/properties/metaAttributes"/>
+    <ds:schemaRef ds:uri="http://www.w3.org/2001/XMLSchema"/>
+    <ds:schemaRef ds:uri="http://schemas.microsoft.com/office/2006/metadata/properties"/>
+    <ds:schemaRef ds:uri="5d4b46a5-5743-423a-a2fa-79783a5e3a2c"/>
+    <ds:schemaRef ds:uri="ef55713f-5d0f-4e84-bb43-602f28eca4e7"/>
+    <ds:schemaRef ds:uri="http://schemas.microsoft.com/office/2006/documentManagement/types"/>
+    <ds:schemaRef ds:uri="http://schemas.microsoft.com/office/infopath/2007/PartnerControls"/>
+    <ds:schemaRef ds:uri="http://schemas.openxmlformats.org/package/2006/metadata/core-properties"/>
+    <ds:schemaRef ds:uri="http://purl.org/dc/elements/1.1/"/>
+    <ds:schemaRef ds:uri="http://purl.org/dc/terms/"/>
+    <ds:schemaRef ds:uri="http://schemas.microsoft.com/internal/obd"/>
+  </ds:schemaRefs>
+</ds:datastoreItem>
+</file>
+
+<file path=customXml/itemProps3.xml><?xml version="1.0" encoding="utf-8"?>
+<ds:datastoreItem xmlns:ds="http://schemas.openxmlformats.org/officeDocument/2006/customXml" ds:itemID="{5FE0FAC9-ECDF-446F-883E-0FA00974B09A}">
+  <ds:schemaRefs>
+    <ds:schemaRef ds:uri="http://purl.org/dc/dcmitype/"/>
+    <ds:schemaRef ds:uri="ef55713f-5d0f-4e84-bb43-602f28eca4e7"/>
+    <ds:schemaRef ds:uri="http://purl.org/dc/elements/1.1/"/>
+    <ds:schemaRef ds:uri="http://schemas.microsoft.com/office/2006/documentManagement/types"/>
+    <ds:schemaRef ds:uri="5d4b46a5-5743-423a-a2fa-79783a5e3a2c"/>
+    <ds:schemaRef ds:uri="http://purl.org/dc/terms/"/>
+    <ds:schemaRef ds:uri="http://schemas.openxmlformats.org/package/2006/metadata/core-properties"/>
+    <ds:schemaRef ds:uri="http://schemas.microsoft.com/office/infopath/2007/PartnerControls"/>
+    <ds:schemaRef ds:uri="http://schemas.microsoft.com/office/2006/metadata/properties"/>
+    <ds:schemaRef ds:uri="http://www.w3.org/XML/1998/namespace"/>
+  </ds:schemaRefs>
+</ds:datastoreItem>
 </file>